--- a/Ch14_CSS3变形/14.变形处理.pptx
+++ b/Ch14_CSS3变形/14.变形处理.pptx
@@ -6,29 +6,28 @@
     <p:sldMasterId id="2147483681" r:id="rId2"/>
   </p:sldMasterIdLst>
   <p:notesMasterIdLst>
-    <p:notesMasterId r:id="rId23"/>
+    <p:notesMasterId r:id="rId22"/>
   </p:notesMasterIdLst>
   <p:sldIdLst>
     <p:sldId id="257" r:id="rId3"/>
-    <p:sldId id="286" r:id="rId4"/>
-    <p:sldId id="288" r:id="rId5"/>
-    <p:sldId id="262" r:id="rId6"/>
-    <p:sldId id="258" r:id="rId7"/>
-    <p:sldId id="260" r:id="rId8"/>
-    <p:sldId id="313" r:id="rId9"/>
-    <p:sldId id="296" r:id="rId10"/>
-    <p:sldId id="314" r:id="rId11"/>
-    <p:sldId id="317" r:id="rId12"/>
-    <p:sldId id="316" r:id="rId13"/>
-    <p:sldId id="315" r:id="rId14"/>
-    <p:sldId id="319" r:id="rId15"/>
-    <p:sldId id="289" r:id="rId16"/>
-    <p:sldId id="290" r:id="rId17"/>
-    <p:sldId id="309" r:id="rId18"/>
-    <p:sldId id="310" r:id="rId19"/>
-    <p:sldId id="303" r:id="rId20"/>
-    <p:sldId id="283" r:id="rId21"/>
-    <p:sldId id="285" r:id="rId22"/>
+    <p:sldId id="288" r:id="rId4"/>
+    <p:sldId id="262" r:id="rId5"/>
+    <p:sldId id="258" r:id="rId6"/>
+    <p:sldId id="260" r:id="rId7"/>
+    <p:sldId id="313" r:id="rId8"/>
+    <p:sldId id="296" r:id="rId9"/>
+    <p:sldId id="314" r:id="rId10"/>
+    <p:sldId id="317" r:id="rId11"/>
+    <p:sldId id="316" r:id="rId12"/>
+    <p:sldId id="315" r:id="rId13"/>
+    <p:sldId id="319" r:id="rId14"/>
+    <p:sldId id="289" r:id="rId15"/>
+    <p:sldId id="290" r:id="rId16"/>
+    <p:sldId id="309" r:id="rId17"/>
+    <p:sldId id="310" r:id="rId18"/>
+    <p:sldId id="303" r:id="rId19"/>
+    <p:sldId id="283" r:id="rId20"/>
+    <p:sldId id="285" r:id="rId21"/>
   </p:sldIdLst>
   <p:sldSz cx="12192000" cy="6858000"/>
   <p:notesSz cx="7104063" cy="10234613"/>
@@ -228,7 +227,7 @@
           <a:p>
             <a:fld id="{D2A48B96-639E-45A3-A0BA-2464DFDB1FAA}" type="datetimeFigureOut">
               <a:rPr lang="zh-CN" altLang="en-US" smtClean="0"/>
-              <a:t>2017/5/19</a:t>
+              <a:t>2017/8/16</a:t>
             </a:fld>
             <a:endParaRPr lang="zh-CN" altLang="en-US"/>
           </a:p>
@@ -648,7 +647,7 @@
           <a:bodyPr/>
           <a:lstStyle/>
           <a:p>
-            <a:fld id="{4E38F04A-84B0-4E5D-A1A7-EE43D6EF2A66}" type="slidenum">
+            <a:fld id="{575769E8-19F7-47D4-AFC6-D17EEAD4A98C}" type="slidenum">
               <a:rPr lang="zh-CN" altLang="en-US" smtClean="0"/>
               <a:t>11</a:t>
             </a:fld>
@@ -732,7 +731,7 @@
           <a:bodyPr/>
           <a:lstStyle/>
           <a:p>
-            <a:fld id="{575769E8-19F7-47D4-AFC6-D17EEAD4A98C}" type="slidenum">
+            <a:fld id="{4E38F04A-84B0-4E5D-A1A7-EE43D6EF2A66}" type="slidenum">
               <a:rPr lang="zh-CN" altLang="en-US" smtClean="0"/>
               <a:t>12</a:t>
             </a:fld>
@@ -1336,90 +1335,6 @@
 </p:notes>
 </file>
 
-<file path=ppt/notesSlides/notesSlide19.xml><?xml version="1.0" encoding="utf-8"?>
-<p:notes xmlns:a="http://schemas.openxmlformats.org/drawingml/2006/main" xmlns:r="http://schemas.openxmlformats.org/officeDocument/2006/relationships" xmlns:p="http://schemas.openxmlformats.org/presentationml/2006/main">
-  <p:cSld>
-    <p:spTree>
-      <p:nvGrpSpPr>
-        <p:cNvPr id="1" name=""/>
-        <p:cNvGrpSpPr/>
-        <p:nvPr/>
-      </p:nvGrpSpPr>
-      <p:grpSpPr>
-        <a:xfrm>
-          <a:off x="0" y="0"/>
-          <a:ext cx="0" cy="0"/>
-          <a:chOff x="0" y="0"/>
-          <a:chExt cx="0" cy="0"/>
-        </a:xfrm>
-      </p:grpSpPr>
-      <p:sp>
-        <p:nvSpPr>
-          <p:cNvPr id="2" name="幻灯片图像占位符 1"/>
-          <p:cNvSpPr>
-            <a:spLocks noGrp="1" noRot="1" noChangeAspect="1"/>
-          </p:cNvSpPr>
-          <p:nvPr>
-            <p:ph type="sldImg"/>
-          </p:nvPr>
-        </p:nvSpPr>
-        <p:spPr>
-          <a:xfrm>
-            <a:off x="481013" y="1279525"/>
-            <a:ext cx="6140450" cy="3454400"/>
-          </a:xfrm>
-        </p:spPr>
-      </p:sp>
-      <p:sp>
-        <p:nvSpPr>
-          <p:cNvPr id="3" name="备注占位符 2"/>
-          <p:cNvSpPr>
-            <a:spLocks noGrp="1"/>
-          </p:cNvSpPr>
-          <p:nvPr>
-            <p:ph type="body" idx="1"/>
-          </p:nvPr>
-        </p:nvSpPr>
-        <p:spPr/>
-        <p:txBody>
-          <a:bodyPr/>
-          <a:lstStyle/>
-          <a:p>
-            <a:endParaRPr lang="zh-CN" altLang="en-US"/>
-          </a:p>
-        </p:txBody>
-      </p:sp>
-      <p:sp>
-        <p:nvSpPr>
-          <p:cNvPr id="4" name="灯片编号占位符 3"/>
-          <p:cNvSpPr>
-            <a:spLocks noGrp="1"/>
-          </p:cNvSpPr>
-          <p:nvPr>
-            <p:ph type="sldNum" sz="quarter" idx="10"/>
-          </p:nvPr>
-        </p:nvSpPr>
-        <p:spPr/>
-        <p:txBody>
-          <a:bodyPr/>
-          <a:lstStyle/>
-          <a:p>
-            <a:fld id="{4E38F04A-84B0-4E5D-A1A7-EE43D6EF2A66}" type="slidenum">
-              <a:rPr lang="zh-CN" altLang="en-US" smtClean="0"/>
-              <a:t>20</a:t>
-            </a:fld>
-            <a:endParaRPr lang="zh-CN" altLang="en-US"/>
-          </a:p>
-        </p:txBody>
-      </p:sp>
-    </p:spTree>
-  </p:cSld>
-  <p:clrMapOvr>
-    <a:masterClrMapping/>
-  </p:clrMapOvr>
-</p:notes>
-</file>
-
 <file path=ppt/notesSlides/notesSlide2.xml><?xml version="1.0" encoding="utf-8"?>
 <p:notes xmlns:a="http://schemas.openxmlformats.org/drawingml/2006/main" xmlns:r="http://schemas.openxmlformats.org/officeDocument/2006/relationships" xmlns:p="http://schemas.openxmlformats.org/presentationml/2006/main">
   <p:cSld>
@@ -1490,7 +1405,7 @@
           <a:p>
             <a:fld id="{4E38F04A-84B0-4E5D-A1A7-EE43D6EF2A66}" type="slidenum">
               <a:rPr lang="zh-CN" altLang="en-US" smtClean="0"/>
-              <a:t>2</a:t>
+              <a:t>3</a:t>
             </a:fld>
             <a:endParaRPr lang="zh-CN" altLang="en-US"/>
           </a:p>
@@ -1656,7 +1571,7 @@
           <a:bodyPr/>
           <a:lstStyle/>
           <a:p>
-            <a:fld id="{4E38F04A-84B0-4E5D-A1A7-EE43D6EF2A66}" type="slidenum">
+            <a:fld id="{575769E8-19F7-47D4-AFC6-D17EEAD4A98C}" type="slidenum">
               <a:rPr lang="zh-CN" altLang="en-US" smtClean="0"/>
               <a:t>5</a:t>
             </a:fld>
@@ -1824,7 +1739,7 @@
           <a:bodyPr/>
           <a:lstStyle/>
           <a:p>
-            <a:fld id="{575769E8-19F7-47D4-AFC6-D17EEAD4A98C}" type="slidenum">
+            <a:fld id="{4E38F04A-84B0-4E5D-A1A7-EE43D6EF2A66}" type="slidenum">
               <a:rPr lang="zh-CN" altLang="en-US" smtClean="0"/>
               <a:t>7</a:t>
             </a:fld>
@@ -1908,7 +1823,7 @@
           <a:bodyPr/>
           <a:lstStyle/>
           <a:p>
-            <a:fld id="{4E38F04A-84B0-4E5D-A1A7-EE43D6EF2A66}" type="slidenum">
+            <a:fld id="{575769E8-19F7-47D4-AFC6-D17EEAD4A98C}" type="slidenum">
               <a:rPr lang="zh-CN" altLang="en-US" smtClean="0"/>
               <a:t>8</a:t>
             </a:fld>
@@ -2076,7 +1991,7 @@
           <a:bodyPr/>
           <a:lstStyle/>
           <a:p>
-            <a:fld id="{575769E8-19F7-47D4-AFC6-D17EEAD4A98C}" type="slidenum">
+            <a:fld id="{4E38F04A-84B0-4E5D-A1A7-EE43D6EF2A66}" type="slidenum">
               <a:rPr lang="zh-CN" altLang="en-US" smtClean="0"/>
               <a:t>10</a:t>
             </a:fld>
@@ -2240,7 +2155,7 @@
           <a:p>
             <a:fld id="{1ABFA14F-DE9C-4D83-8C58-D4C03BB9FF78}" type="datetimeFigureOut">
               <a:rPr lang="zh-CN" altLang="en-US" smtClean="0"/>
-              <a:t>2017/5/19</a:t>
+              <a:t>2017/8/16</a:t>
             </a:fld>
             <a:endParaRPr lang="zh-CN" altLang="en-US"/>
           </a:p>
@@ -2365,7 +2280,7 @@
           <a:p>
             <a:fld id="{1ABFA14F-DE9C-4D83-8C58-D4C03BB9FF78}" type="datetimeFigureOut">
               <a:rPr lang="zh-CN" altLang="en-US" smtClean="0"/>
-              <a:t>2017/5/19</a:t>
+              <a:t>2017/8/16</a:t>
             </a:fld>
             <a:endParaRPr lang="zh-CN" altLang="en-US"/>
           </a:p>
@@ -2590,7 +2505,7 @@
           <a:p>
             <a:fld id="{1ABFA14F-DE9C-4D83-8C58-D4C03BB9FF78}" type="datetimeFigureOut">
               <a:rPr lang="zh-CN" altLang="en-US" smtClean="0"/>
-              <a:t>2017/5/19</a:t>
+              <a:t>2017/8/16</a:t>
             </a:fld>
             <a:endParaRPr lang="zh-CN" altLang="en-US"/>
           </a:p>
@@ -2815,7 +2730,7 @@
           <a:p>
             <a:fld id="{1ABFA14F-DE9C-4D83-8C58-D4C03BB9FF78}" type="datetimeFigureOut">
               <a:rPr lang="zh-CN" altLang="en-US" smtClean="0"/>
-              <a:t>2017/5/19</a:t>
+              <a:t>2017/8/16</a:t>
             </a:fld>
             <a:endParaRPr lang="zh-CN" altLang="en-US"/>
           </a:p>
@@ -3040,7 +2955,7 @@
           <a:p>
             <a:fld id="{1ABFA14F-DE9C-4D83-8C58-D4C03BB9FF78}" type="datetimeFigureOut">
               <a:rPr lang="zh-CN" altLang="en-US" smtClean="0"/>
-              <a:t>2017/5/19</a:t>
+              <a:t>2017/8/16</a:t>
             </a:fld>
             <a:endParaRPr lang="zh-CN" altLang="en-US"/>
           </a:p>
@@ -3265,7 +3180,7 @@
           <a:p>
             <a:fld id="{1ABFA14F-DE9C-4D83-8C58-D4C03BB9FF78}" type="datetimeFigureOut">
               <a:rPr lang="zh-CN" altLang="en-US" smtClean="0"/>
-              <a:t>2017/5/19</a:t>
+              <a:t>2017/8/16</a:t>
             </a:fld>
             <a:endParaRPr lang="zh-CN" altLang="en-US"/>
           </a:p>
@@ -3490,7 +3405,7 @@
           <a:p>
             <a:fld id="{1ABFA14F-DE9C-4D83-8C58-D4C03BB9FF78}" type="datetimeFigureOut">
               <a:rPr lang="zh-CN" altLang="en-US" smtClean="0"/>
-              <a:t>2017/5/19</a:t>
+              <a:t>2017/8/16</a:t>
             </a:fld>
             <a:endParaRPr lang="zh-CN" altLang="en-US"/>
           </a:p>
@@ -3715,7 +3630,7 @@
           <a:p>
             <a:fld id="{1ABFA14F-DE9C-4D83-8C58-D4C03BB9FF78}" type="datetimeFigureOut">
               <a:rPr lang="zh-CN" altLang="en-US" smtClean="0"/>
-              <a:t>2017/5/19</a:t>
+              <a:t>2017/8/16</a:t>
             </a:fld>
             <a:endParaRPr lang="zh-CN" altLang="en-US"/>
           </a:p>
@@ -3940,7 +3855,7 @@
           <a:p>
             <a:fld id="{1ABFA14F-DE9C-4D83-8C58-D4C03BB9FF78}" type="datetimeFigureOut">
               <a:rPr lang="zh-CN" altLang="en-US" smtClean="0"/>
-              <a:t>2017/5/19</a:t>
+              <a:t>2017/8/16</a:t>
             </a:fld>
             <a:endParaRPr lang="zh-CN" altLang="en-US"/>
           </a:p>
@@ -4165,7 +4080,7 @@
           <a:p>
             <a:fld id="{1ABFA14F-DE9C-4D83-8C58-D4C03BB9FF78}" type="datetimeFigureOut">
               <a:rPr lang="zh-CN" altLang="en-US" smtClean="0"/>
-              <a:t>2017/5/19</a:t>
+              <a:t>2017/8/16</a:t>
             </a:fld>
             <a:endParaRPr lang="zh-CN" altLang="en-US"/>
           </a:p>
@@ -4390,7 +4305,7 @@
           <a:p>
             <a:fld id="{1ABFA14F-DE9C-4D83-8C58-D4C03BB9FF78}" type="datetimeFigureOut">
               <a:rPr lang="zh-CN" altLang="en-US" smtClean="0"/>
-              <a:t>2017/5/19</a:t>
+              <a:t>2017/8/16</a:t>
             </a:fld>
             <a:endParaRPr lang="zh-CN" altLang="en-US"/>
           </a:p>
@@ -4724,7 +4639,7 @@
           <a:p>
             <a:fld id="{1ABFA14F-DE9C-4D83-8C58-D4C03BB9FF78}" type="datetimeFigureOut">
               <a:rPr lang="zh-CN" altLang="en-US" smtClean="0"/>
-              <a:t>2017/5/19</a:t>
+              <a:t>2017/8/16</a:t>
             </a:fld>
             <a:endParaRPr lang="zh-CN" altLang="en-US"/>
           </a:p>
@@ -4875,7 +4790,7 @@
           <a:p>
             <a:fld id="{1ABFA14F-DE9C-4D83-8C58-D4C03BB9FF78}" type="datetimeFigureOut">
               <a:rPr lang="zh-CN" altLang="en-US" smtClean="0"/>
-              <a:t>2017/5/19</a:t>
+              <a:t>2017/8/16</a:t>
             </a:fld>
             <a:endParaRPr lang="zh-CN" altLang="en-US"/>
           </a:p>
@@ -5100,7 +5015,7 @@
           <a:p>
             <a:fld id="{1ABFA14F-DE9C-4D83-8C58-D4C03BB9FF78}" type="datetimeFigureOut">
               <a:rPr lang="zh-CN" altLang="en-US" smtClean="0"/>
-              <a:t>2017/5/19</a:t>
+              <a:t>2017/8/16</a:t>
             </a:fld>
             <a:endParaRPr lang="zh-CN" altLang="en-US"/>
           </a:p>
@@ -5325,7 +5240,7 @@
           <a:p>
             <a:fld id="{1ABFA14F-DE9C-4D83-8C58-D4C03BB9FF78}" type="datetimeFigureOut">
               <a:rPr lang="zh-CN" altLang="en-US" smtClean="0"/>
-              <a:t>2017/5/19</a:t>
+              <a:t>2017/8/16</a:t>
             </a:fld>
             <a:endParaRPr lang="zh-CN" altLang="en-US"/>
           </a:p>
@@ -5550,7 +5465,7 @@
           <a:p>
             <a:fld id="{1ABFA14F-DE9C-4D83-8C58-D4C03BB9FF78}" type="datetimeFigureOut">
               <a:rPr lang="zh-CN" altLang="en-US" smtClean="0"/>
-              <a:t>2017/5/19</a:t>
+              <a:t>2017/8/16</a:t>
             </a:fld>
             <a:endParaRPr lang="zh-CN" altLang="en-US"/>
           </a:p>
@@ -5775,7 +5690,7 @@
           <a:p>
             <a:fld id="{1ABFA14F-DE9C-4D83-8C58-D4C03BB9FF78}" type="datetimeFigureOut">
               <a:rPr lang="zh-CN" altLang="en-US" smtClean="0"/>
-              <a:t>2017/5/19</a:t>
+              <a:t>2017/8/16</a:t>
             </a:fld>
             <a:endParaRPr lang="zh-CN" altLang="en-US"/>
           </a:p>
@@ -6000,7 +5915,7 @@
           <a:p>
             <a:fld id="{1ABFA14F-DE9C-4D83-8C58-D4C03BB9FF78}" type="datetimeFigureOut">
               <a:rPr lang="zh-CN" altLang="en-US" smtClean="0"/>
-              <a:t>2017/5/19</a:t>
+              <a:t>2017/8/16</a:t>
             </a:fld>
             <a:endParaRPr lang="zh-CN" altLang="en-US"/>
           </a:p>
@@ -6225,7 +6140,7 @@
           <a:p>
             <a:fld id="{1ABFA14F-DE9C-4D83-8C58-D4C03BB9FF78}" type="datetimeFigureOut">
               <a:rPr lang="zh-CN" altLang="en-US" smtClean="0"/>
-              <a:t>2017/5/19</a:t>
+              <a:t>2017/8/16</a:t>
             </a:fld>
             <a:endParaRPr lang="zh-CN" altLang="en-US"/>
           </a:p>
@@ -6450,7 +6365,7 @@
           <a:p>
             <a:fld id="{1ABFA14F-DE9C-4D83-8C58-D4C03BB9FF78}" type="datetimeFigureOut">
               <a:rPr lang="zh-CN" altLang="en-US" smtClean="0"/>
-              <a:t>2017/5/19</a:t>
+              <a:t>2017/8/16</a:t>
             </a:fld>
             <a:endParaRPr lang="zh-CN" altLang="en-US"/>
           </a:p>
@@ -6675,7 +6590,7 @@
           <a:p>
             <a:fld id="{1ABFA14F-DE9C-4D83-8C58-D4C03BB9FF78}" type="datetimeFigureOut">
               <a:rPr lang="zh-CN" altLang="en-US" smtClean="0"/>
-              <a:t>2017/5/19</a:t>
+              <a:t>2017/8/16</a:t>
             </a:fld>
             <a:endParaRPr lang="zh-CN" altLang="en-US"/>
           </a:p>
@@ -6900,7 +6815,7 @@
           <a:p>
             <a:fld id="{1ABFA14F-DE9C-4D83-8C58-D4C03BB9FF78}" type="datetimeFigureOut">
               <a:rPr lang="zh-CN" altLang="en-US" smtClean="0"/>
-              <a:t>2017/5/19</a:t>
+              <a:t>2017/8/16</a:t>
             </a:fld>
             <a:endParaRPr lang="zh-CN" altLang="en-US"/>
           </a:p>
@@ -7228,7 +7143,7 @@
           <a:p>
             <a:fld id="{1ABFA14F-DE9C-4D83-8C58-D4C03BB9FF78}" type="datetimeFigureOut">
               <a:rPr lang="zh-CN" altLang="en-US" smtClean="0"/>
-              <a:t>2017/5/19</a:t>
+              <a:t>2017/8/16</a:t>
             </a:fld>
             <a:endParaRPr lang="zh-CN" altLang="en-US"/>
           </a:p>
@@ -7325,7 +7240,7 @@
           <a:p>
             <a:fld id="{1ABFA14F-DE9C-4D83-8C58-D4C03BB9FF78}" type="datetimeFigureOut">
               <a:rPr lang="zh-CN" altLang="en-US" smtClean="0"/>
-              <a:t>2017/5/19</a:t>
+              <a:t>2017/8/16</a:t>
             </a:fld>
             <a:endParaRPr lang="zh-CN" altLang="en-US"/>
           </a:p>
@@ -7550,7 +7465,7 @@
           <a:p>
             <a:fld id="{1ABFA14F-DE9C-4D83-8C58-D4C03BB9FF78}" type="datetimeFigureOut">
               <a:rPr lang="zh-CN" altLang="en-US" smtClean="0"/>
-              <a:t>2017/5/19</a:t>
+              <a:t>2017/8/16</a:t>
             </a:fld>
             <a:endParaRPr lang="zh-CN" altLang="en-US"/>
           </a:p>
@@ -7775,7 +7690,7 @@
           <a:p>
             <a:fld id="{1ABFA14F-DE9C-4D83-8C58-D4C03BB9FF78}" type="datetimeFigureOut">
               <a:rPr lang="zh-CN" altLang="en-US" smtClean="0"/>
-              <a:t>2017/5/19</a:t>
+              <a:t>2017/8/16</a:t>
             </a:fld>
             <a:endParaRPr lang="zh-CN" altLang="en-US"/>
           </a:p>
@@ -8000,7 +7915,7 @@
           <a:p>
             <a:fld id="{1ABFA14F-DE9C-4D83-8C58-D4C03BB9FF78}" type="datetimeFigureOut">
               <a:rPr lang="zh-CN" altLang="en-US" smtClean="0"/>
-              <a:t>2017/5/19</a:t>
+              <a:t>2017/8/16</a:t>
             </a:fld>
             <a:endParaRPr lang="zh-CN" altLang="en-US"/>
           </a:p>
@@ -8225,7 +8140,7 @@
           <a:p>
             <a:fld id="{1ABFA14F-DE9C-4D83-8C58-D4C03BB9FF78}" type="datetimeFigureOut">
               <a:rPr lang="zh-CN" altLang="en-US" smtClean="0"/>
-              <a:t>2017/5/19</a:t>
+              <a:t>2017/8/16</a:t>
             </a:fld>
             <a:endParaRPr lang="zh-CN" altLang="en-US"/>
           </a:p>
@@ -8450,7 +8365,7 @@
           <a:p>
             <a:fld id="{1ABFA14F-DE9C-4D83-8C58-D4C03BB9FF78}" type="datetimeFigureOut">
               <a:rPr lang="zh-CN" altLang="en-US" smtClean="0"/>
-              <a:t>2017/5/19</a:t>
+              <a:t>2017/8/16</a:t>
             </a:fld>
             <a:endParaRPr lang="zh-CN" altLang="en-US"/>
           </a:p>
@@ -8675,7 +8590,7 @@
           <a:p>
             <a:fld id="{1ABFA14F-DE9C-4D83-8C58-D4C03BB9FF78}" type="datetimeFigureOut">
               <a:rPr lang="zh-CN" altLang="en-US" smtClean="0"/>
-              <a:t>2017/5/19</a:t>
+              <a:t>2017/8/16</a:t>
             </a:fld>
             <a:endParaRPr lang="zh-CN" altLang="en-US"/>
           </a:p>
@@ -8900,7 +8815,7 @@
           <a:p>
             <a:fld id="{1ABFA14F-DE9C-4D83-8C58-D4C03BB9FF78}" type="datetimeFigureOut">
               <a:rPr lang="zh-CN" altLang="en-US" smtClean="0"/>
-              <a:t>2017/5/19</a:t>
+              <a:t>2017/8/16</a:t>
             </a:fld>
             <a:endParaRPr lang="zh-CN" altLang="en-US"/>
           </a:p>
@@ -9239,7 +9154,7 @@
           <a:p>
             <a:fld id="{1ABFA14F-DE9C-4D83-8C58-D4C03BB9FF78}" type="datetimeFigureOut">
               <a:rPr lang="zh-CN" altLang="en-US" smtClean="0"/>
-              <a:t>2017/5/19</a:t>
+              <a:t>2017/8/16</a:t>
             </a:fld>
             <a:endParaRPr lang="zh-CN" altLang="en-US"/>
           </a:p>
@@ -9473,7 +9388,7 @@
           <a:p>
             <a:fld id="{1ABFA14F-DE9C-4D83-8C58-D4C03BB9FF78}" type="datetimeFigureOut">
               <a:rPr lang="zh-CN" altLang="en-US" smtClean="0"/>
-              <a:t>2017/5/19</a:t>
+              <a:t>2017/8/16</a:t>
             </a:fld>
             <a:endParaRPr lang="zh-CN" altLang="en-US"/>
           </a:p>
@@ -9816,7 +9731,7 @@
           <a:p>
             <a:fld id="{1ABFA14F-DE9C-4D83-8C58-D4C03BB9FF78}" type="datetimeFigureOut">
               <a:rPr lang="zh-CN" altLang="en-US" smtClean="0"/>
-              <a:t>2017/5/19</a:t>
+              <a:t>2017/8/16</a:t>
             </a:fld>
             <a:endParaRPr lang="zh-CN" altLang="en-US"/>
           </a:p>
@@ -10070,7 +9985,7 @@
           <a:p>
             <a:fld id="{1ABFA14F-DE9C-4D83-8C58-D4C03BB9FF78}" type="datetimeFigureOut">
               <a:rPr lang="zh-CN" altLang="en-US" smtClean="0"/>
-              <a:t>2017/5/19</a:t>
+              <a:t>2017/8/16</a:t>
             </a:fld>
             <a:endParaRPr lang="zh-CN" altLang="en-US"/>
           </a:p>
@@ -10408,7 +10323,7 @@
           <a:p>
             <a:fld id="{1ABFA14F-DE9C-4D83-8C58-D4C03BB9FF78}" type="datetimeFigureOut">
               <a:rPr lang="zh-CN" altLang="en-US" smtClean="0"/>
-              <a:t>2017/5/19</a:t>
+              <a:t>2017/8/16</a:t>
             </a:fld>
             <a:endParaRPr lang="zh-CN" altLang="en-US"/>
           </a:p>
@@ -10859,7 +10774,7 @@
           <a:p>
             <a:fld id="{1ABFA14F-DE9C-4D83-8C58-D4C03BB9FF78}" type="datetimeFigureOut">
               <a:rPr lang="zh-CN" altLang="en-US" smtClean="0"/>
-              <a:t>2017/5/19</a:t>
+              <a:t>2017/8/16</a:t>
             </a:fld>
             <a:endParaRPr lang="zh-CN" altLang="en-US"/>
           </a:p>
@@ -11159,7 +11074,7 @@
           <a:p>
             <a:fld id="{1ABFA14F-DE9C-4D83-8C58-D4C03BB9FF78}" type="datetimeFigureOut">
               <a:rPr lang="zh-CN" altLang="en-US" smtClean="0"/>
-              <a:t>2017/5/19</a:t>
+              <a:t>2017/8/16</a:t>
             </a:fld>
             <a:endParaRPr lang="zh-CN" altLang="en-US"/>
           </a:p>
@@ -11284,7 +11199,7 @@
           <a:p>
             <a:fld id="{1ABFA14F-DE9C-4D83-8C58-D4C03BB9FF78}" type="datetimeFigureOut">
               <a:rPr lang="zh-CN" altLang="en-US" smtClean="0"/>
-              <a:t>2017/5/19</a:t>
+              <a:t>2017/8/16</a:t>
             </a:fld>
             <a:endParaRPr lang="zh-CN" altLang="en-US"/>
           </a:p>
@@ -11551,7 +11466,7 @@
           <a:p>
             <a:fld id="{1ABFA14F-DE9C-4D83-8C58-D4C03BB9FF78}" type="datetimeFigureOut">
               <a:rPr lang="zh-CN" altLang="en-US" smtClean="0"/>
-              <a:t>2017/5/19</a:t>
+              <a:t>2017/8/16</a:t>
             </a:fld>
             <a:endParaRPr lang="zh-CN" altLang="en-US"/>
           </a:p>
@@ -11756,7 +11671,7 @@
           <a:p>
             <a:fld id="{1ABFA14F-DE9C-4D83-8C58-D4C03BB9FF78}" type="datetimeFigureOut">
               <a:rPr lang="zh-CN" altLang="en-US" smtClean="0"/>
-              <a:t>2017/5/19</a:t>
+              <a:t>2017/8/16</a:t>
             </a:fld>
             <a:endParaRPr lang="zh-CN" altLang="en-US"/>
           </a:p>
@@ -11853,7 +11768,7 @@
           <a:p>
             <a:fld id="{1ABFA14F-DE9C-4D83-8C58-D4C03BB9FF78}" type="datetimeFigureOut">
               <a:rPr lang="zh-CN" altLang="en-US" smtClean="0"/>
-              <a:t>2017/5/19</a:t>
+              <a:t>2017/8/16</a:t>
             </a:fld>
             <a:endParaRPr lang="zh-CN" altLang="en-US"/>
           </a:p>
@@ -12432,7 +12347,7 @@
           <a:p>
             <a:fld id="{1ABFA14F-DE9C-4D83-8C58-D4C03BB9FF78}" type="datetimeFigureOut">
               <a:rPr lang="zh-CN" altLang="en-US" smtClean="0"/>
-              <a:t>2017/5/19</a:t>
+              <a:t>2017/8/16</a:t>
             </a:fld>
             <a:endParaRPr lang="zh-CN" altLang="en-US"/>
           </a:p>
@@ -12732,7 +12647,7 @@
           <a:p>
             <a:fld id="{1ABFA14F-DE9C-4D83-8C58-D4C03BB9FF78}" type="datetimeFigureOut">
               <a:rPr lang="zh-CN" altLang="en-US" smtClean="0"/>
-              <a:t>2017/5/19</a:t>
+              <a:t>2017/8/16</a:t>
             </a:fld>
             <a:endParaRPr lang="zh-CN" altLang="en-US"/>
           </a:p>
@@ -12857,7 +12772,7 @@
           <a:p>
             <a:fld id="{1ABFA14F-DE9C-4D83-8C58-D4C03BB9FF78}" type="datetimeFigureOut">
               <a:rPr lang="zh-CN" altLang="en-US" smtClean="0"/>
-              <a:t>2017/5/19</a:t>
+              <a:t>2017/8/16</a:t>
             </a:fld>
             <a:endParaRPr lang="zh-CN" altLang="en-US"/>
           </a:p>
@@ -13124,7 +13039,7 @@
           <a:p>
             <a:fld id="{1ABFA14F-DE9C-4D83-8C58-D4C03BB9FF78}" type="datetimeFigureOut">
               <a:rPr lang="zh-CN" altLang="en-US" smtClean="0"/>
-              <a:t>2017/5/19</a:t>
+              <a:t>2017/8/16</a:t>
             </a:fld>
             <a:endParaRPr lang="zh-CN" altLang="en-US"/>
           </a:p>
@@ -13329,7 +13244,7 @@
           <a:p>
             <a:fld id="{1ABFA14F-DE9C-4D83-8C58-D4C03BB9FF78}" type="datetimeFigureOut">
               <a:rPr lang="zh-CN" altLang="en-US" smtClean="0"/>
-              <a:t>2017/5/19</a:t>
+              <a:t>2017/8/16</a:t>
             </a:fld>
             <a:endParaRPr lang="zh-CN" altLang="en-US"/>
           </a:p>
@@ -13640,7 +13555,7 @@
           <a:p>
             <a:fld id="{1ABFA14F-DE9C-4D83-8C58-D4C03BB9FF78}" type="datetimeFigureOut">
               <a:rPr lang="zh-CN" altLang="en-US" smtClean="0"/>
-              <a:t>2017/5/19</a:t>
+              <a:t>2017/8/16</a:t>
             </a:fld>
             <a:endParaRPr lang="zh-CN" altLang="en-US"/>
           </a:p>
@@ -14441,7 +14356,7 @@
           <a:p>
             <a:fld id="{1ABFA14F-DE9C-4D83-8C58-D4C03BB9FF78}" type="datetimeFigureOut">
               <a:rPr lang="zh-CN" altLang="en-US" smtClean="0"/>
-              <a:t>2017/5/19</a:t>
+              <a:t>2017/8/16</a:t>
             </a:fld>
             <a:endParaRPr lang="zh-CN" altLang="en-US"/>
           </a:p>
@@ -15167,381 +15082,6 @@
           <a:chExt cx="0" cy="0"/>
         </a:xfrm>
       </p:grpSpPr>
-      <p:pic>
-        <p:nvPicPr>
-          <p:cNvPr id="2" name="Picture 2"/>
-          <p:cNvPicPr>
-            <a:picLocks noChangeAspect="1" noChangeArrowheads="1"/>
-          </p:cNvPicPr>
-          <p:nvPr/>
-        </p:nvPicPr>
-        <p:blipFill rotWithShape="1">
-          <a:blip r:embed="rId4">
-            <a:extLst>
-              <a:ext uri="{28A0092B-C50C-407E-A947-70E740481C1C}">
-                <a14:useLocalDpi xmlns:a14="http://schemas.microsoft.com/office/drawing/2010/main" val="0"/>
-              </a:ext>
-            </a:extLst>
-          </a:blip>
-          <a:srcRect l="54348" t="42917" r="24685" b="22500"/>
-          <a:stretch/>
-        </p:blipFill>
-        <p:spPr bwMode="auto">
-          <a:xfrm>
-            <a:off x="481965" y="719733"/>
-            <a:ext cx="4601378" cy="4267200"/>
-          </a:xfrm>
-          <a:prstGeom prst="rect">
-            <a:avLst/>
-          </a:prstGeom>
-          <a:noFill/>
-          <a:ln>
-            <a:noFill/>
-          </a:ln>
-          <a:extLst>
-            <a:ext uri="{909E8E84-426E-40DD-AFC4-6F175D3DCCD1}">
-              <a14:hiddenFill xmlns:a14="http://schemas.microsoft.com/office/drawing/2010/main">
-                <a:solidFill>
-                  <a:schemeClr val="accent1"/>
-                </a:solidFill>
-              </a14:hiddenFill>
-            </a:ext>
-            <a:ext uri="{91240B29-F687-4F45-9708-019B960494DF}">
-              <a14:hiddenLine xmlns:a14="http://schemas.microsoft.com/office/drawing/2010/main" w="9525">
-                <a:solidFill>
-                  <a:schemeClr val="tx1"/>
-                </a:solidFill>
-                <a:miter lim="800000"/>
-                <a:headEnd/>
-                <a:tailEnd/>
-              </a14:hiddenLine>
-            </a:ext>
-          </a:extLst>
-        </p:spPr>
-      </p:pic>
-      <p:sp>
-        <p:nvSpPr>
-          <p:cNvPr id="3" name="矩形 2"/>
-          <p:cNvSpPr/>
-          <p:nvPr/>
-        </p:nvSpPr>
-        <p:spPr>
-          <a:xfrm>
-            <a:off x="5651989" y="259664"/>
-            <a:ext cx="6096000" cy="6494085"/>
-          </a:xfrm>
-          <a:prstGeom prst="rect">
-            <a:avLst/>
-          </a:prstGeom>
-        </p:spPr>
-        <p:txBody>
-          <a:bodyPr>
-            <a:spAutoFit/>
-          </a:bodyPr>
-          <a:lstStyle/>
-          <a:p>
-            <a:r>
-              <a:rPr lang="en-US" altLang="zh-CN" sz="2000" dirty="0"/>
-              <a:t>&lt;style&gt;</a:t>
-            </a:r>
-          </a:p>
-          <a:p>
-            <a:r>
-              <a:rPr lang="en-US" altLang="zh-CN" sz="2000" dirty="0"/>
-              <a:t>#div1</a:t>
-            </a:r>
-          </a:p>
-          <a:p>
-            <a:r>
-              <a:rPr lang="en-US" altLang="zh-CN" sz="2000" dirty="0" smtClean="0"/>
-              <a:t>{position</a:t>
-            </a:r>
-            <a:r>
-              <a:rPr lang="en-US" altLang="zh-CN" sz="2000" dirty="0"/>
-              <a:t>: </a:t>
-            </a:r>
-            <a:r>
-              <a:rPr lang="en-US" altLang="zh-CN" sz="2000" dirty="0" err="1" smtClean="0"/>
-              <a:t>relative;height</a:t>
-            </a:r>
-            <a:r>
-              <a:rPr lang="en-US" altLang="zh-CN" sz="2000" dirty="0"/>
-              <a:t>: </a:t>
-            </a:r>
-            <a:r>
-              <a:rPr lang="en-US" altLang="zh-CN" sz="2000" dirty="0" smtClean="0"/>
-              <a:t>200px;width</a:t>
-            </a:r>
-            <a:r>
-              <a:rPr lang="en-US" altLang="zh-CN" sz="2000" dirty="0"/>
-              <a:t>: </a:t>
-            </a:r>
-            <a:r>
-              <a:rPr lang="en-US" altLang="zh-CN" sz="2000" dirty="0" smtClean="0"/>
-              <a:t>200px;margin</a:t>
-            </a:r>
-            <a:r>
-              <a:rPr lang="en-US" altLang="zh-CN" sz="2000" dirty="0"/>
-              <a:t>: 100px;</a:t>
-            </a:r>
-          </a:p>
-          <a:p>
-            <a:r>
-              <a:rPr lang="en-US" altLang="zh-CN" sz="2000" dirty="0" smtClean="0"/>
-              <a:t>padding:10px;border</a:t>
-            </a:r>
-            <a:r>
-              <a:rPr lang="en-US" altLang="zh-CN" sz="2000" dirty="0"/>
-              <a:t>: 1px solid black</a:t>
-            </a:r>
-            <a:r>
-              <a:rPr lang="en-US" altLang="zh-CN" sz="2000" dirty="0" smtClean="0"/>
-              <a:t>;}</a:t>
-            </a:r>
-            <a:endParaRPr lang="en-US" altLang="zh-CN" sz="2000" dirty="0"/>
-          </a:p>
-          <a:p>
-            <a:r>
-              <a:rPr lang="en-US" altLang="zh-CN" sz="2000" dirty="0"/>
-              <a:t>#</a:t>
-            </a:r>
-            <a:r>
-              <a:rPr lang="en-US" altLang="zh-CN" sz="2000" dirty="0" smtClean="0"/>
-              <a:t>div2{padding:50px;position</a:t>
-            </a:r>
-            <a:r>
-              <a:rPr lang="en-US" altLang="zh-CN" sz="2000" dirty="0"/>
-              <a:t>: </a:t>
-            </a:r>
-            <a:r>
-              <a:rPr lang="en-US" altLang="zh-CN" sz="2000" dirty="0" err="1" smtClean="0"/>
-              <a:t>absolute;border</a:t>
-            </a:r>
-            <a:r>
-              <a:rPr lang="en-US" altLang="zh-CN" sz="2000" dirty="0"/>
-              <a:t>: 1px solid black;</a:t>
-            </a:r>
-          </a:p>
-          <a:p>
-            <a:r>
-              <a:rPr lang="en-US" altLang="zh-CN" sz="2000" dirty="0"/>
-              <a:t>background-color: </a:t>
-            </a:r>
-            <a:r>
-              <a:rPr lang="en-US" altLang="zh-CN" sz="2000" dirty="0" err="1" smtClean="0"/>
-              <a:t>yellow;transform</a:t>
-            </a:r>
-            <a:r>
-              <a:rPr lang="en-US" altLang="zh-CN" sz="2000" dirty="0"/>
-              <a:t>: rotate(45deg</a:t>
-            </a:r>
-            <a:r>
-              <a:rPr lang="en-US" altLang="zh-CN" sz="2000" dirty="0" smtClean="0"/>
-              <a:t>);transform-origin:20</a:t>
-            </a:r>
-            <a:r>
-              <a:rPr lang="en-US" altLang="zh-CN" sz="2000" dirty="0"/>
-              <a:t>% 40%;</a:t>
-            </a:r>
-          </a:p>
-          <a:p>
-            <a:r>
-              <a:rPr lang="en-US" altLang="zh-CN" sz="2000" dirty="0"/>
-              <a:t>-</a:t>
-            </a:r>
-            <a:r>
-              <a:rPr lang="en-US" altLang="zh-CN" sz="2000" dirty="0" err="1"/>
-              <a:t>ms</a:t>
-            </a:r>
-            <a:r>
-              <a:rPr lang="en-US" altLang="zh-CN" sz="2000" dirty="0"/>
-              <a:t>-transform: rotate(45deg); /* IE 9 */</a:t>
-            </a:r>
-          </a:p>
-          <a:p>
-            <a:r>
-              <a:rPr lang="en-US" altLang="zh-CN" sz="2000" dirty="0"/>
-              <a:t>-ms-transform-origin:20% 40%; /* IE 9 */</a:t>
-            </a:r>
-          </a:p>
-          <a:p>
-            <a:r>
-              <a:rPr lang="en-US" altLang="zh-CN" sz="2000" dirty="0"/>
-              <a:t>-</a:t>
-            </a:r>
-            <a:r>
-              <a:rPr lang="en-US" altLang="zh-CN" sz="2000" dirty="0" err="1"/>
-              <a:t>webkit</a:t>
-            </a:r>
-            <a:r>
-              <a:rPr lang="en-US" altLang="zh-CN" sz="2000" dirty="0"/>
-              <a:t>-transform: rotate(45deg); /* Safari and Chrome */</a:t>
-            </a:r>
-          </a:p>
-          <a:p>
-            <a:r>
-              <a:rPr lang="en-US" altLang="zh-CN" sz="2000" dirty="0"/>
-              <a:t>-webkit-transform-origin:20% 40%; /* Safari and Chrome */</a:t>
-            </a:r>
-          </a:p>
-          <a:p>
-            <a:r>
-              <a:rPr lang="en-US" altLang="zh-CN" sz="2000" dirty="0"/>
-              <a:t>-</a:t>
-            </a:r>
-            <a:r>
-              <a:rPr lang="en-US" altLang="zh-CN" sz="2000" dirty="0" err="1"/>
-              <a:t>moz</a:t>
-            </a:r>
-            <a:r>
-              <a:rPr lang="en-US" altLang="zh-CN" sz="2000" dirty="0"/>
-              <a:t>-transform: rotate(45deg); /* Firefox */</a:t>
-            </a:r>
-          </a:p>
-          <a:p>
-            <a:r>
-              <a:rPr lang="en-US" altLang="zh-CN" sz="2000" dirty="0"/>
-              <a:t>-moz-transform-origin:20% 40%; /* Firefox */</a:t>
-            </a:r>
-          </a:p>
-          <a:p>
-            <a:r>
-              <a:rPr lang="en-US" altLang="zh-CN" sz="2000" dirty="0"/>
-              <a:t>-o-transform: rotate(45deg); /* Opera */</a:t>
-            </a:r>
-          </a:p>
-          <a:p>
-            <a:r>
-              <a:rPr lang="en-US" altLang="zh-CN" sz="2000" dirty="0"/>
-              <a:t>-o-transform-origin:20% 40%; /* Opera */</a:t>
-            </a:r>
-          </a:p>
-          <a:p>
-            <a:r>
-              <a:rPr lang="en-US" altLang="zh-CN" sz="2000" dirty="0"/>
-              <a:t>}</a:t>
-            </a:r>
-          </a:p>
-          <a:p>
-            <a:r>
-              <a:rPr lang="en-US" altLang="zh-CN" sz="2000" dirty="0"/>
-              <a:t>&lt;/style&gt;</a:t>
-            </a:r>
-            <a:endParaRPr lang="zh-CN" altLang="en-US" sz="2000" dirty="0"/>
-          </a:p>
-        </p:txBody>
-      </p:sp>
-      <p:sp>
-        <p:nvSpPr>
-          <p:cNvPr id="4" name="Rectangle 1"/>
-          <p:cNvSpPr>
-            <a:spLocks noChangeArrowheads="1"/>
-          </p:cNvSpPr>
-          <p:nvPr/>
-        </p:nvSpPr>
-        <p:spPr bwMode="auto">
-          <a:xfrm>
-            <a:off x="1985962" y="5789701"/>
-            <a:ext cx="2164080" cy="430887"/>
-          </a:xfrm>
-          <a:prstGeom prst="rect">
-            <a:avLst/>
-          </a:prstGeom>
-          <a:noFill/>
-          <a:ln>
-            <a:noFill/>
-          </a:ln>
-          <a:effectLst/>
-        </p:spPr>
-        <p:txBody>
-          <a:bodyPr vert="horz" wrap="square" lIns="0" tIns="0" rIns="0" bIns="0" numCol="1" anchor="ctr" anchorCtr="0" compatLnSpc="1">
-            <a:prstTxWarp prst="textNoShape">
-              <a:avLst/>
-            </a:prstTxWarp>
-            <a:spAutoFit/>
-          </a:bodyPr>
-          <a:lstStyle/>
-          <a:p>
-            <a:pPr marL="0" marR="0" lvl="0" indent="0" algn="l" defTabSz="914400" rtl="0" eaLnBrk="1" fontAlgn="base" latinLnBrk="0" hangingPunct="1">
-              <a:lnSpc>
-                <a:spcPct val="100000"/>
-              </a:lnSpc>
-              <a:spcBef>
-                <a:spcPct val="0"/>
-              </a:spcBef>
-              <a:spcAft>
-                <a:spcPct val="0"/>
-              </a:spcAft>
-              <a:buClrTx/>
-              <a:buSzTx/>
-              <a:buFontTx/>
-              <a:buNone/>
-              <a:tabLst/>
-            </a:pPr>
-            <a:r>
-              <a:rPr kumimoji="0" lang="en-US" altLang="zh-CN" sz="2800" i="0" u="none" strike="noStrike" cap="none" normalizeH="0" baseline="0" dirty="0" smtClean="0">
-                <a:ln>
-                  <a:noFill/>
-                </a:ln>
-                <a:effectLst/>
-                <a:latin typeface="微软雅黑" pitchFamily="34" charset="-122"/>
-                <a:ea typeface="微软雅黑" pitchFamily="34" charset="-122"/>
-                <a:cs typeface="宋体" pitchFamily="2" charset="-122"/>
-              </a:rPr>
-              <a:t>Demo-9-1</a:t>
-            </a:r>
-            <a:endParaRPr kumimoji="0" lang="zh-CN" altLang="zh-CN" sz="2800" i="0" u="none" strike="noStrike" cap="none" normalizeH="0" baseline="0" dirty="0" smtClean="0">
-              <a:ln>
-                <a:noFill/>
-              </a:ln>
-              <a:effectLst/>
-              <a:latin typeface="Arial" pitchFamily="34" charset="0"/>
-              <a:ea typeface="宋体" pitchFamily="2" charset="-122"/>
-              <a:cs typeface="宋体" pitchFamily="2" charset="-122"/>
-            </a:endParaRPr>
-          </a:p>
-        </p:txBody>
-      </p:sp>
-    </p:spTree>
-    <p:custDataLst>
-      <p:tags r:id="rId1"/>
-    </p:custDataLst>
-    <p:extLst>
-      <p:ext uri="{BB962C8B-B14F-4D97-AF65-F5344CB8AC3E}">
-        <p14:creationId xmlns:p14="http://schemas.microsoft.com/office/powerpoint/2010/main" val="3169368493"/>
-      </p:ext>
-    </p:extLst>
-  </p:cSld>
-  <p:clrMapOvr>
-    <a:masterClrMapping/>
-  </p:clrMapOvr>
-  <p:timing>
-    <p:tnLst>
-      <p:par>
-        <p:cTn id="1" dur="indefinite" restart="never" nodeType="tmRoot"/>
-      </p:par>
-    </p:tnLst>
-  </p:timing>
-</p:sld>
-</file>
-
-<file path=ppt/slides/slide11.xml><?xml version="1.0" encoding="utf-8"?>
-<p:sld xmlns:a="http://schemas.openxmlformats.org/drawingml/2006/main" xmlns:r="http://schemas.openxmlformats.org/officeDocument/2006/relationships" xmlns:p="http://schemas.openxmlformats.org/presentationml/2006/main">
-  <p:cSld>
-    <p:spTree>
-      <p:nvGrpSpPr>
-        <p:cNvPr id="1" name=""/>
-        <p:cNvGrpSpPr/>
-        <p:nvPr/>
-      </p:nvGrpSpPr>
-      <p:grpSpPr>
-        <a:xfrm>
-          <a:off x="0" y="0"/>
-          <a:ext cx="0" cy="0"/>
-          <a:chOff x="0" y="0"/>
-          <a:chExt cx="0" cy="0"/>
-        </a:xfrm>
-      </p:grpSpPr>
       <p:sp>
         <p:nvSpPr>
           <p:cNvPr id="5122" name="Rectangle 2"/>
@@ -16231,7 +15771,7 @@
 </p:sld>
 </file>
 
-<file path=ppt/slides/slide12.xml><?xml version="1.0" encoding="utf-8"?>
+<file path=ppt/slides/slide11.xml><?xml version="1.0" encoding="utf-8"?>
 <p:sld xmlns:a="http://schemas.openxmlformats.org/drawingml/2006/main" xmlns:r="http://schemas.openxmlformats.org/officeDocument/2006/relationships" xmlns:p="http://schemas.openxmlformats.org/presentationml/2006/main">
   <p:cSld>
     <p:spTree>
@@ -16543,77 +16083,6 @@
           </a:p>
         </p:txBody>
       </p:sp>
-      <p:sp>
-        <p:nvSpPr>
-          <p:cNvPr id="4" name="Rectangle 1"/>
-          <p:cNvSpPr>
-            <a:spLocks noChangeArrowheads="1"/>
-          </p:cNvSpPr>
-          <p:nvPr/>
-        </p:nvSpPr>
-        <p:spPr bwMode="auto">
-          <a:xfrm>
-            <a:off x="1244437" y="5417453"/>
-            <a:ext cx="2164080" cy="430887"/>
-          </a:xfrm>
-          <a:prstGeom prst="rect">
-            <a:avLst/>
-          </a:prstGeom>
-          <a:noFill/>
-          <a:ln>
-            <a:noFill/>
-          </a:ln>
-          <a:effectLst/>
-        </p:spPr>
-        <p:txBody>
-          <a:bodyPr vert="horz" wrap="square" lIns="0" tIns="0" rIns="0" bIns="0" numCol="1" anchor="ctr" anchorCtr="0" compatLnSpc="1">
-            <a:prstTxWarp prst="textNoShape">
-              <a:avLst/>
-            </a:prstTxWarp>
-            <a:spAutoFit/>
-          </a:bodyPr>
-          <a:lstStyle/>
-          <a:p>
-            <a:pPr marL="0" marR="0" lvl="0" indent="0" algn="l" defTabSz="914400" rtl="0" eaLnBrk="1" fontAlgn="base" latinLnBrk="0" hangingPunct="1">
-              <a:lnSpc>
-                <a:spcPct val="100000"/>
-              </a:lnSpc>
-              <a:spcBef>
-                <a:spcPct val="0"/>
-              </a:spcBef>
-              <a:spcAft>
-                <a:spcPct val="0"/>
-              </a:spcAft>
-              <a:buClrTx/>
-              <a:buSzTx/>
-              <a:buFontTx/>
-              <a:buNone/>
-              <a:tabLst/>
-            </a:pPr>
-            <a:r>
-              <a:rPr kumimoji="0" lang="en-US" altLang="zh-CN" sz="2800" i="0" u="none" strike="noStrike" cap="none" normalizeH="0" baseline="0" dirty="0" smtClean="0">
-                <a:ln>
-                  <a:noFill/>
-                </a:ln>
-                <a:effectLst/>
-                <a:latin typeface="微软雅黑" pitchFamily="34" charset="-122"/>
-                <a:ea typeface="微软雅黑" pitchFamily="34" charset="-122"/>
-                <a:cs typeface="宋体" pitchFamily="2" charset="-122"/>
-              </a:rPr>
-              <a:t>Demo-9-2</a:t>
-            </a:r>
-            <a:endParaRPr kumimoji="0" lang="zh-CN" altLang="zh-CN" sz="2800" i="0" u="none" strike="noStrike" cap="none" normalizeH="0" baseline="0" dirty="0" smtClean="0">
-              <a:ln>
-                <a:noFill/>
-              </a:ln>
-              <a:effectLst/>
-              <a:latin typeface="Arial" pitchFamily="34" charset="0"/>
-              <a:ea typeface="宋体" pitchFamily="2" charset="-122"/>
-              <a:cs typeface="宋体" pitchFamily="2" charset="-122"/>
-            </a:endParaRPr>
-          </a:p>
-        </p:txBody>
-      </p:sp>
     </p:spTree>
     <p:custDataLst>
       <p:tags r:id="rId1"/>
@@ -16637,7 +16106,7 @@
 </p:sld>
 </file>
 
-<file path=ppt/slides/slide13.xml><?xml version="1.0" encoding="utf-8"?>
+<file path=ppt/slides/slide12.xml><?xml version="1.0" encoding="utf-8"?>
 <p:sld xmlns:a="http://schemas.openxmlformats.org/drawingml/2006/main" xmlns:r="http://schemas.openxmlformats.org/officeDocument/2006/relationships" xmlns:p="http://schemas.openxmlformats.org/presentationml/2006/main">
   <p:cSld>
     <p:spTree>
@@ -16960,7 +16429,7 @@
 </p:sld>
 </file>
 
-<file path=ppt/slides/slide14.xml><?xml version="1.0" encoding="utf-8"?>
+<file path=ppt/slides/slide13.xml><?xml version="1.0" encoding="utf-8"?>
 <p:sld xmlns:a="http://schemas.openxmlformats.org/drawingml/2006/main" xmlns:r="http://schemas.openxmlformats.org/officeDocument/2006/relationships" xmlns:p="http://schemas.openxmlformats.org/presentationml/2006/main">
   <p:cSld>
     <p:spTree>
@@ -17448,7 +16917,7 @@
 </p:sld>
 </file>
 
-<file path=ppt/slides/slide15.xml><?xml version="1.0" encoding="utf-8"?>
+<file path=ppt/slides/slide14.xml><?xml version="1.0" encoding="utf-8"?>
 <p:sld xmlns:a="http://schemas.openxmlformats.org/drawingml/2006/main" xmlns:r="http://schemas.openxmlformats.org/officeDocument/2006/relationships" xmlns:p="http://schemas.openxmlformats.org/presentationml/2006/main">
   <p:cSld>
     <p:spTree>
@@ -17652,7 +17121,7 @@
 </p:sld>
 </file>
 
-<file path=ppt/slides/slide16.xml><?xml version="1.0" encoding="utf-8"?>
+<file path=ppt/slides/slide15.xml><?xml version="1.0" encoding="utf-8"?>
 <p:sld xmlns:a="http://schemas.openxmlformats.org/drawingml/2006/main" xmlns:r="http://schemas.openxmlformats.org/officeDocument/2006/relationships" xmlns:p="http://schemas.openxmlformats.org/presentationml/2006/main">
   <p:cSld>
     <p:spTree>
@@ -17694,77 +17163,6 @@
               <a:t>练习</a:t>
             </a:r>
             <a:endParaRPr lang="zh-CN" altLang="en-US" sz="4000" dirty="0"/>
-          </a:p>
-        </p:txBody>
-      </p:sp>
-      <p:sp>
-        <p:nvSpPr>
-          <p:cNvPr id="3" name="Rectangle 1"/>
-          <p:cNvSpPr>
-            <a:spLocks noChangeArrowheads="1"/>
-          </p:cNvSpPr>
-          <p:nvPr/>
-        </p:nvSpPr>
-        <p:spPr bwMode="auto">
-          <a:xfrm>
-            <a:off x="10027920" y="5791833"/>
-            <a:ext cx="2164080" cy="430887"/>
-          </a:xfrm>
-          <a:prstGeom prst="rect">
-            <a:avLst/>
-          </a:prstGeom>
-          <a:noFill/>
-          <a:ln>
-            <a:noFill/>
-          </a:ln>
-          <a:effectLst/>
-        </p:spPr>
-        <p:txBody>
-          <a:bodyPr vert="horz" wrap="square" lIns="0" tIns="0" rIns="0" bIns="0" numCol="1" anchor="ctr" anchorCtr="0" compatLnSpc="1">
-            <a:prstTxWarp prst="textNoShape">
-              <a:avLst/>
-            </a:prstTxWarp>
-            <a:spAutoFit/>
-          </a:bodyPr>
-          <a:lstStyle/>
-          <a:p>
-            <a:pPr marL="0" marR="0" lvl="0" indent="0" algn="l" defTabSz="914400" rtl="0" eaLnBrk="1" fontAlgn="base" latinLnBrk="0" hangingPunct="1">
-              <a:lnSpc>
-                <a:spcPct val="100000"/>
-              </a:lnSpc>
-              <a:spcBef>
-                <a:spcPct val="0"/>
-              </a:spcBef>
-              <a:spcAft>
-                <a:spcPct val="0"/>
-              </a:spcAft>
-              <a:buClrTx/>
-              <a:buSzTx/>
-              <a:buFontTx/>
-              <a:buNone/>
-              <a:tabLst/>
-            </a:pPr>
-            <a:r>
-              <a:rPr kumimoji="0" lang="en-US" altLang="zh-CN" sz="2800" i="0" u="none" strike="noStrike" cap="none" normalizeH="0" baseline="0" dirty="0" smtClean="0">
-                <a:ln>
-                  <a:noFill/>
-                </a:ln>
-                <a:effectLst/>
-                <a:latin typeface="微软雅黑" pitchFamily="34" charset="-122"/>
-                <a:ea typeface="微软雅黑" pitchFamily="34" charset="-122"/>
-                <a:cs typeface="宋体" pitchFamily="2" charset="-122"/>
-              </a:rPr>
-              <a:t>Demo-9-3</a:t>
-            </a:r>
-            <a:endParaRPr kumimoji="0" lang="zh-CN" altLang="zh-CN" sz="2800" i="0" u="none" strike="noStrike" cap="none" normalizeH="0" baseline="0" dirty="0" smtClean="0">
-              <a:ln>
-                <a:noFill/>
-              </a:ln>
-              <a:effectLst/>
-              <a:latin typeface="Arial" pitchFamily="34" charset="0"/>
-              <a:ea typeface="宋体" pitchFamily="2" charset="-122"/>
-              <a:cs typeface="宋体" pitchFamily="2" charset="-122"/>
-            </a:endParaRPr>
           </a:p>
         </p:txBody>
       </p:sp>
@@ -17951,7 +17349,7 @@
 </p:sld>
 </file>
 
-<file path=ppt/slides/slide17.xml><?xml version="1.0" encoding="utf-8"?>
+<file path=ppt/slides/slide16.xml><?xml version="1.0" encoding="utf-8"?>
 <p:sld xmlns:a="http://schemas.openxmlformats.org/drawingml/2006/main" xmlns:r="http://schemas.openxmlformats.org/officeDocument/2006/relationships" xmlns:p="http://schemas.openxmlformats.org/presentationml/2006/main">
   <p:cSld>
     <p:spTree>
@@ -17993,77 +17391,6 @@
               <a:t>练习</a:t>
             </a:r>
             <a:endParaRPr lang="zh-CN" altLang="en-US" sz="4000" dirty="0"/>
-          </a:p>
-        </p:txBody>
-      </p:sp>
-      <p:sp>
-        <p:nvSpPr>
-          <p:cNvPr id="3" name="Rectangle 1"/>
-          <p:cNvSpPr>
-            <a:spLocks noChangeArrowheads="1"/>
-          </p:cNvSpPr>
-          <p:nvPr/>
-        </p:nvSpPr>
-        <p:spPr bwMode="auto">
-          <a:xfrm>
-            <a:off x="10027920" y="5773216"/>
-            <a:ext cx="2164080" cy="430887"/>
-          </a:xfrm>
-          <a:prstGeom prst="rect">
-            <a:avLst/>
-          </a:prstGeom>
-          <a:noFill/>
-          <a:ln>
-            <a:noFill/>
-          </a:ln>
-          <a:effectLst/>
-        </p:spPr>
-        <p:txBody>
-          <a:bodyPr vert="horz" wrap="square" lIns="0" tIns="0" rIns="0" bIns="0" numCol="1" anchor="ctr" anchorCtr="0" compatLnSpc="1">
-            <a:prstTxWarp prst="textNoShape">
-              <a:avLst/>
-            </a:prstTxWarp>
-            <a:spAutoFit/>
-          </a:bodyPr>
-          <a:lstStyle/>
-          <a:p>
-            <a:pPr marL="0" marR="0" lvl="0" indent="0" algn="l" defTabSz="914400" rtl="0" eaLnBrk="1" fontAlgn="base" latinLnBrk="0" hangingPunct="1">
-              <a:lnSpc>
-                <a:spcPct val="100000"/>
-              </a:lnSpc>
-              <a:spcBef>
-                <a:spcPct val="0"/>
-              </a:spcBef>
-              <a:spcAft>
-                <a:spcPct val="0"/>
-              </a:spcAft>
-              <a:buClrTx/>
-              <a:buSzTx/>
-              <a:buFontTx/>
-              <a:buNone/>
-              <a:tabLst/>
-            </a:pPr>
-            <a:r>
-              <a:rPr kumimoji="0" lang="en-US" altLang="zh-CN" sz="2800" i="0" u="none" strike="noStrike" cap="none" normalizeH="0" baseline="0" dirty="0" smtClean="0">
-                <a:ln>
-                  <a:noFill/>
-                </a:ln>
-                <a:effectLst/>
-                <a:latin typeface="微软雅黑" pitchFamily="34" charset="-122"/>
-                <a:ea typeface="微软雅黑" pitchFamily="34" charset="-122"/>
-                <a:cs typeface="宋体" pitchFamily="2" charset="-122"/>
-              </a:rPr>
-              <a:t>Demo-9-4</a:t>
-            </a:r>
-            <a:endParaRPr kumimoji="0" lang="zh-CN" altLang="zh-CN" sz="2800" i="0" u="none" strike="noStrike" cap="none" normalizeH="0" baseline="0" dirty="0" smtClean="0">
-              <a:ln>
-                <a:noFill/>
-              </a:ln>
-              <a:effectLst/>
-              <a:latin typeface="Arial" pitchFamily="34" charset="0"/>
-              <a:ea typeface="宋体" pitchFamily="2" charset="-122"/>
-              <a:cs typeface="宋体" pitchFamily="2" charset="-122"/>
-            </a:endParaRPr>
           </a:p>
         </p:txBody>
       </p:sp>
@@ -18255,7 +17582,7 @@
 </p:sld>
 </file>
 
-<file path=ppt/slides/slide18.xml><?xml version="1.0" encoding="utf-8"?>
+<file path=ppt/slides/slide17.xml><?xml version="1.0" encoding="utf-8"?>
 <p:sld xmlns:a="http://schemas.openxmlformats.org/drawingml/2006/main" xmlns:r="http://schemas.openxmlformats.org/officeDocument/2006/relationships" xmlns:p="http://schemas.openxmlformats.org/presentationml/2006/main">
   <p:cSld>
     <p:spTree>
@@ -18414,8 +17741,8 @@
         </p:nvSpPr>
         <p:spPr bwMode="auto">
           <a:xfrm>
-            <a:off x="6398895" y="4824747"/>
-            <a:ext cx="3261360" cy="615553"/>
+            <a:off x="6398895" y="4978635"/>
+            <a:ext cx="3261360" cy="307777"/>
           </a:xfrm>
           <a:prstGeom prst="rect">
             <a:avLst/>
@@ -18452,18 +17779,63 @@
               <a:tabLst/>
             </a:pPr>
             <a:r>
-              <a:rPr kumimoji="0" lang="en-US" altLang="zh-CN" sz="2000" i="0" u="none" strike="noStrike" cap="none" normalizeH="0" baseline="0" dirty="0" smtClean="0">
-                <a:ln>
-                  <a:noFill/>
-                </a:ln>
-                <a:effectLst/>
+              <a:rPr lang="zh-CN" altLang="en-US" sz="2000" smtClean="0">
                 <a:latin typeface="微软雅黑" pitchFamily="34" charset="-122"/>
                 <a:ea typeface="微软雅黑" pitchFamily="34" charset="-122"/>
                 <a:cs typeface="宋体" pitchFamily="2" charset="-122"/>
               </a:rPr>
-              <a:t>Demo-9-4</a:t>
-            </a:r>
-          </a:p>
+              <a:t>元素</a:t>
+            </a:r>
+            <a:r>
+              <a:rPr lang="zh-CN" altLang="en-US" sz="2000" dirty="0" smtClean="0">
+                <a:latin typeface="微软雅黑" pitchFamily="34" charset="-122"/>
+                <a:ea typeface="微软雅黑" pitchFamily="34" charset="-122"/>
+                <a:cs typeface="宋体" pitchFamily="2" charset="-122"/>
+              </a:rPr>
+              <a:t>经过移动后旋转并放大</a:t>
+            </a:r>
+            <a:endParaRPr kumimoji="0" lang="zh-CN" altLang="zh-CN" sz="2000" i="0" u="none" strike="noStrike" cap="none" normalizeH="0" baseline="0" dirty="0" smtClean="0">
+              <a:ln>
+                <a:noFill/>
+              </a:ln>
+              <a:effectLst/>
+              <a:latin typeface="Arial" pitchFamily="34" charset="0"/>
+              <a:ea typeface="宋体" pitchFamily="2" charset="-122"/>
+              <a:cs typeface="宋体" pitchFamily="2" charset="-122"/>
+            </a:endParaRPr>
+          </a:p>
+        </p:txBody>
+      </p:sp>
+      <p:sp>
+        <p:nvSpPr>
+          <p:cNvPr id="6" name="Rectangle 1"/>
+          <p:cNvSpPr>
+            <a:spLocks noChangeArrowheads="1"/>
+          </p:cNvSpPr>
+          <p:nvPr/>
+        </p:nvSpPr>
+        <p:spPr bwMode="auto">
+          <a:xfrm>
+            <a:off x="893445" y="4978636"/>
+            <a:ext cx="3794760" cy="307777"/>
+          </a:xfrm>
+          <a:prstGeom prst="rect">
+            <a:avLst/>
+          </a:prstGeom>
+          <a:noFill/>
+          <a:ln>
+            <a:noFill/>
+          </a:ln>
+          <a:effectLst/>
+        </p:spPr>
+        <p:txBody>
+          <a:bodyPr vert="horz" wrap="square" lIns="0" tIns="0" rIns="0" bIns="0" numCol="1" anchor="ctr" anchorCtr="0" compatLnSpc="1">
+            <a:prstTxWarp prst="textNoShape">
+              <a:avLst/>
+            </a:prstTxWarp>
+            <a:spAutoFit/>
+          </a:bodyPr>
+          <a:lstStyle/>
           <a:p>
             <a:pPr marL="0" marR="0" lvl="0" indent="0" algn="ctr" defTabSz="914400" rtl="0" eaLnBrk="1" fontAlgn="base" latinLnBrk="0" hangingPunct="1">
               <a:lnSpc>
@@ -18482,103 +17854,6 @@
               <a:tabLst/>
             </a:pPr>
             <a:r>
-              <a:rPr lang="zh-CN" altLang="en-US" sz="2000" dirty="0" smtClean="0">
-                <a:latin typeface="微软雅黑" pitchFamily="34" charset="-122"/>
-                <a:ea typeface="微软雅黑" pitchFamily="34" charset="-122"/>
-                <a:cs typeface="宋体" pitchFamily="2" charset="-122"/>
-              </a:rPr>
-              <a:t>元素经过移动后旋转并放大</a:t>
-            </a:r>
-            <a:endParaRPr kumimoji="0" lang="zh-CN" altLang="zh-CN" sz="2000" i="0" u="none" strike="noStrike" cap="none" normalizeH="0" baseline="0" dirty="0" smtClean="0">
-              <a:ln>
-                <a:noFill/>
-              </a:ln>
-              <a:effectLst/>
-              <a:latin typeface="Arial" pitchFamily="34" charset="0"/>
-              <a:ea typeface="宋体" pitchFamily="2" charset="-122"/>
-              <a:cs typeface="宋体" pitchFamily="2" charset="-122"/>
-            </a:endParaRPr>
-          </a:p>
-        </p:txBody>
-      </p:sp>
-      <p:sp>
-        <p:nvSpPr>
-          <p:cNvPr id="6" name="Rectangle 1"/>
-          <p:cNvSpPr>
-            <a:spLocks noChangeArrowheads="1"/>
-          </p:cNvSpPr>
-          <p:nvPr/>
-        </p:nvSpPr>
-        <p:spPr bwMode="auto">
-          <a:xfrm>
-            <a:off x="893445" y="4824748"/>
-            <a:ext cx="3794760" cy="615553"/>
-          </a:xfrm>
-          <a:prstGeom prst="rect">
-            <a:avLst/>
-          </a:prstGeom>
-          <a:noFill/>
-          <a:ln>
-            <a:noFill/>
-          </a:ln>
-          <a:effectLst/>
-        </p:spPr>
-        <p:txBody>
-          <a:bodyPr vert="horz" wrap="square" lIns="0" tIns="0" rIns="0" bIns="0" numCol="1" anchor="ctr" anchorCtr="0" compatLnSpc="1">
-            <a:prstTxWarp prst="textNoShape">
-              <a:avLst/>
-            </a:prstTxWarp>
-            <a:spAutoFit/>
-          </a:bodyPr>
-          <a:lstStyle/>
-          <a:p>
-            <a:pPr marL="0" marR="0" lvl="0" indent="0" algn="ctr" defTabSz="914400" rtl="0" eaLnBrk="1" fontAlgn="base" latinLnBrk="0" hangingPunct="1">
-              <a:lnSpc>
-                <a:spcPct val="100000"/>
-              </a:lnSpc>
-              <a:spcBef>
-                <a:spcPct val="0"/>
-              </a:spcBef>
-              <a:spcAft>
-                <a:spcPct val="0"/>
-              </a:spcAft>
-              <a:buClrTx/>
-              <a:buSzTx/>
-              <a:buFontTx/>
-              <a:buNone/>
-              <a:tabLst/>
-            </a:pPr>
-            <a:r>
-              <a:rPr kumimoji="0" lang="en-US" altLang="zh-CN" sz="2000" i="0" u="none" strike="noStrike" cap="none" normalizeH="0" baseline="0" dirty="0" smtClean="0">
-                <a:ln>
-                  <a:noFill/>
-                </a:ln>
-                <a:effectLst/>
-                <a:latin typeface="微软雅黑" pitchFamily="34" charset="-122"/>
-                <a:ea typeface="微软雅黑" pitchFamily="34" charset="-122"/>
-                <a:cs typeface="宋体" pitchFamily="2" charset="-122"/>
-              </a:rPr>
-              <a:t>Demo-9-3</a:t>
-            </a:r>
-          </a:p>
-          <a:p>
-            <a:pPr marL="0" marR="0" lvl="0" indent="0" algn="ctr" defTabSz="914400" rtl="0" eaLnBrk="1" fontAlgn="base" latinLnBrk="0" hangingPunct="1">
-              <a:lnSpc>
-                <a:spcPct val="100000"/>
-              </a:lnSpc>
-              <a:spcBef>
-                <a:spcPct val="0"/>
-              </a:spcBef>
-              <a:spcAft>
-                <a:spcPct val="0"/>
-              </a:spcAft>
-              <a:buClrTx/>
-              <a:buSzTx/>
-              <a:buFontTx/>
-              <a:buNone/>
-              <a:tabLst/>
-            </a:pPr>
-            <a:r>
               <a:rPr kumimoji="0" lang="zh-CN" altLang="en-US" sz="2000" i="0" u="none" strike="noStrike" cap="none" normalizeH="0" baseline="0" dirty="0" smtClean="0">
                 <a:ln>
                   <a:noFill/>
@@ -18588,7 +17863,19 @@
                 <a:ea typeface="微软雅黑" pitchFamily="34" charset="-122"/>
                 <a:cs typeface="宋体" pitchFamily="2" charset="-122"/>
               </a:rPr>
-              <a:t>元素向右移动</a:t>
+              <a:t>元素</a:t>
+            </a:r>
+            <a:r>
+              <a:rPr kumimoji="0" lang="zh-CN" altLang="en-US" sz="2000" i="0" u="none" strike="noStrike" cap="none" normalizeH="0" baseline="0" dirty="0" smtClean="0">
+                <a:ln>
+                  <a:noFill/>
+                </a:ln>
+                <a:effectLst/>
+                <a:latin typeface="微软雅黑" pitchFamily="34" charset="-122"/>
+                <a:ea typeface="微软雅黑" pitchFamily="34" charset="-122"/>
+                <a:cs typeface="宋体" pitchFamily="2" charset="-122"/>
+              </a:rPr>
+              <a:t>向右移动</a:t>
             </a:r>
             <a:r>
               <a:rPr kumimoji="0" lang="en-US" altLang="zh-CN" sz="2000" i="0" u="none" strike="noStrike" cap="none" normalizeH="0" baseline="0" dirty="0" smtClean="0">
@@ -18661,7 +17948,7 @@
 </p:sld>
 </file>
 
-<file path=ppt/slides/slide19.xml><?xml version="1.0" encoding="utf-8"?>
+<file path=ppt/slides/slide18.xml><?xml version="1.0" encoding="utf-8"?>
 <p:sld xmlns:a="http://schemas.openxmlformats.org/drawingml/2006/main" xmlns:r="http://schemas.openxmlformats.org/officeDocument/2006/relationships" xmlns:p="http://schemas.openxmlformats.org/presentationml/2006/main">
   <p:cSld>
     <p:spTree>
@@ -19168,548 +18455,7 @@
 </p:sld>
 </file>
 
-<file path=ppt/slides/slide2.xml><?xml version="1.0" encoding="utf-8"?>
-<p:sld xmlns:a="http://schemas.openxmlformats.org/drawingml/2006/main" xmlns:r="http://schemas.openxmlformats.org/officeDocument/2006/relationships" xmlns:p="http://schemas.openxmlformats.org/presentationml/2006/main">
-  <p:cSld>
-    <p:spTree>
-      <p:nvGrpSpPr>
-        <p:cNvPr id="1" name=""/>
-        <p:cNvGrpSpPr/>
-        <p:nvPr/>
-      </p:nvGrpSpPr>
-      <p:grpSpPr>
-        <a:xfrm>
-          <a:off x="0" y="0"/>
-          <a:ext cx="0" cy="0"/>
-          <a:chOff x="0" y="0"/>
-          <a:chExt cx="0" cy="0"/>
-        </a:xfrm>
-      </p:grpSpPr>
-      <p:grpSp>
-        <p:nvGrpSpPr>
-          <p:cNvPr id="5" name="组合 4"/>
-          <p:cNvGrpSpPr/>
-          <p:nvPr>
-            <p:custDataLst>
-              <p:tags r:id="rId2"/>
-            </p:custDataLst>
-          </p:nvPr>
-        </p:nvGrpSpPr>
-        <p:grpSpPr>
-          <a:xfrm>
-            <a:off x="5915025" y="1927225"/>
-            <a:ext cx="3876675" cy="3459163"/>
-            <a:chOff x="5915025" y="1927225"/>
-            <a:chExt cx="3876675" cy="3459163"/>
-          </a:xfrm>
-        </p:grpSpPr>
-        <p:cxnSp>
-          <p:nvCxnSpPr>
-            <p:cNvPr id="36868" name="直接连接符 4"/>
-            <p:cNvCxnSpPr>
-              <a:cxnSpLocks noChangeShapeType="1"/>
-            </p:cNvCxnSpPr>
-            <p:nvPr>
-              <p:custDataLst>
-                <p:tags r:id="rId9"/>
-              </p:custDataLst>
-            </p:nvPr>
-          </p:nvCxnSpPr>
-          <p:spPr bwMode="auto">
-            <a:xfrm flipV="1">
-              <a:off x="9791700" y="2108200"/>
-              <a:ext cx="0" cy="492125"/>
-            </a:xfrm>
-            <a:prstGeom prst="line">
-              <a:avLst/>
-            </a:prstGeom>
-            <a:noFill/>
-            <a:ln w="6350" cmpd="sng">
-              <a:solidFill>
-                <a:schemeClr val="accent1"/>
-              </a:solidFill>
-              <a:prstDash val="sysDash"/>
-              <a:round/>
-              <a:headEnd type="oval" w="med" len="med"/>
-              <a:tailEnd type="oval" w="med" len="med"/>
-            </a:ln>
-            <a:extLst>
-              <a:ext uri="{909E8E84-426E-40DD-AFC4-6F175D3DCCD1}">
-                <a14:hiddenFill xmlns:a14="http://schemas.microsoft.com/office/drawing/2010/main">
-                  <a:noFill/>
-                </a14:hiddenFill>
-              </a:ext>
-            </a:extLst>
-          </p:spPr>
-        </p:cxnSp>
-        <p:cxnSp>
-          <p:nvCxnSpPr>
-            <p:cNvPr id="36869" name="直接连接符 5"/>
-            <p:cNvCxnSpPr>
-              <a:cxnSpLocks noChangeShapeType="1"/>
-            </p:cNvCxnSpPr>
-            <p:nvPr>
-              <p:custDataLst>
-                <p:tags r:id="rId10"/>
-              </p:custDataLst>
-            </p:nvPr>
-          </p:nvCxnSpPr>
-          <p:spPr bwMode="auto">
-            <a:xfrm flipH="1">
-              <a:off x="7894637" y="1927225"/>
-              <a:ext cx="1897063" cy="0"/>
-            </a:xfrm>
-            <a:prstGeom prst="line">
-              <a:avLst/>
-            </a:prstGeom>
-            <a:noFill/>
-            <a:ln w="6350" cmpd="sng">
-              <a:solidFill>
-                <a:schemeClr val="accent1"/>
-              </a:solidFill>
-              <a:prstDash val="sysDash"/>
-              <a:round/>
-              <a:headEnd type="oval" w="med" len="med"/>
-              <a:tailEnd type="oval" w="med" len="med"/>
-            </a:ln>
-            <a:extLst>
-              <a:ext uri="{909E8E84-426E-40DD-AFC4-6F175D3DCCD1}">
-                <a14:hiddenFill xmlns:a14="http://schemas.microsoft.com/office/drawing/2010/main">
-                  <a:noFill/>
-                </a14:hiddenFill>
-              </a:ext>
-            </a:extLst>
-          </p:spPr>
-        </p:cxnSp>
-        <p:cxnSp>
-          <p:nvCxnSpPr>
-            <p:cNvPr id="36870" name="直接连接符 6"/>
-            <p:cNvCxnSpPr>
-              <a:cxnSpLocks noChangeShapeType="1"/>
-            </p:cNvCxnSpPr>
-            <p:nvPr>
-              <p:custDataLst>
-                <p:tags r:id="rId11"/>
-              </p:custDataLst>
-            </p:nvPr>
-          </p:nvCxnSpPr>
-          <p:spPr bwMode="auto">
-            <a:xfrm>
-              <a:off x="5915025" y="5386388"/>
-              <a:ext cx="3722687" cy="0"/>
-            </a:xfrm>
-            <a:prstGeom prst="line">
-              <a:avLst/>
-            </a:prstGeom>
-            <a:noFill/>
-            <a:ln w="6350" cmpd="sng">
-              <a:solidFill>
-                <a:schemeClr val="accent1"/>
-              </a:solidFill>
-              <a:prstDash val="sysDash"/>
-              <a:round/>
-              <a:headEnd type="oval" w="med" len="med"/>
-              <a:tailEnd type="oval" w="med" len="med"/>
-            </a:ln>
-            <a:extLst>
-              <a:ext uri="{909E8E84-426E-40DD-AFC4-6F175D3DCCD1}">
-                <a14:hiddenFill xmlns:a14="http://schemas.microsoft.com/office/drawing/2010/main">
-                  <a:noFill/>
-                </a14:hiddenFill>
-              </a:ext>
-            </a:extLst>
-          </p:spPr>
-        </p:cxnSp>
-        <p:cxnSp>
-          <p:nvCxnSpPr>
-            <p:cNvPr id="36871" name="直接连接符 7"/>
-            <p:cNvCxnSpPr>
-              <a:cxnSpLocks noChangeShapeType="1"/>
-            </p:cNvCxnSpPr>
-            <p:nvPr>
-              <p:custDataLst>
-                <p:tags r:id="rId12"/>
-              </p:custDataLst>
-            </p:nvPr>
-          </p:nvCxnSpPr>
-          <p:spPr bwMode="auto">
-            <a:xfrm flipV="1">
-              <a:off x="9791700" y="4892675"/>
-              <a:ext cx="0" cy="493713"/>
-            </a:xfrm>
-            <a:prstGeom prst="line">
-              <a:avLst/>
-            </a:prstGeom>
-            <a:noFill/>
-            <a:ln w="6350" cmpd="sng">
-              <a:solidFill>
-                <a:schemeClr val="accent1"/>
-              </a:solidFill>
-              <a:prstDash val="sysDash"/>
-              <a:round/>
-              <a:headEnd type="oval" w="med" len="med"/>
-              <a:tailEnd type="oval" w="med" len="med"/>
-            </a:ln>
-            <a:extLst>
-              <a:ext uri="{909E8E84-426E-40DD-AFC4-6F175D3DCCD1}">
-                <a14:hiddenFill xmlns:a14="http://schemas.microsoft.com/office/drawing/2010/main">
-                  <a:noFill/>
-                </a14:hiddenFill>
-              </a:ext>
-            </a:extLst>
-          </p:spPr>
-        </p:cxnSp>
-      </p:grpSp>
-      <p:grpSp>
-        <p:nvGrpSpPr>
-          <p:cNvPr id="4" name="组合 3"/>
-          <p:cNvGrpSpPr/>
-          <p:nvPr>
-            <p:custDataLst>
-              <p:tags r:id="rId3"/>
-            </p:custDataLst>
-          </p:nvPr>
-        </p:nvGrpSpPr>
-        <p:grpSpPr>
-          <a:xfrm>
-            <a:off x="1198563" y="1927225"/>
-            <a:ext cx="3876675" cy="3459163"/>
-            <a:chOff x="1198563" y="1927225"/>
-            <a:chExt cx="3876675" cy="3459163"/>
-          </a:xfrm>
-        </p:grpSpPr>
-        <p:cxnSp>
-          <p:nvCxnSpPr>
-            <p:cNvPr id="36873" name="直接连接符 11"/>
-            <p:cNvCxnSpPr>
-              <a:cxnSpLocks noChangeShapeType="1"/>
-            </p:cNvCxnSpPr>
-            <p:nvPr>
-              <p:custDataLst>
-                <p:tags r:id="rId5"/>
-              </p:custDataLst>
-            </p:nvPr>
-          </p:nvCxnSpPr>
-          <p:spPr bwMode="auto">
-            <a:xfrm flipH="1" flipV="1">
-              <a:off x="1198563" y="2108200"/>
-              <a:ext cx="0" cy="492125"/>
-            </a:xfrm>
-            <a:prstGeom prst="line">
-              <a:avLst/>
-            </a:prstGeom>
-            <a:noFill/>
-            <a:ln w="6350" cmpd="sng">
-              <a:solidFill>
-                <a:schemeClr val="accent1"/>
-              </a:solidFill>
-              <a:prstDash val="sysDash"/>
-              <a:round/>
-              <a:headEnd type="oval" w="med" len="med"/>
-              <a:tailEnd type="oval" w="med" len="med"/>
-            </a:ln>
-            <a:extLst>
-              <a:ext uri="{909E8E84-426E-40DD-AFC4-6F175D3DCCD1}">
-                <a14:hiddenFill xmlns:a14="http://schemas.microsoft.com/office/drawing/2010/main">
-                  <a:noFill/>
-                </a14:hiddenFill>
-              </a:ext>
-            </a:extLst>
-          </p:spPr>
-        </p:cxnSp>
-        <p:cxnSp>
-          <p:nvCxnSpPr>
-            <p:cNvPr id="36874" name="直接连接符 12"/>
-            <p:cNvCxnSpPr>
-              <a:cxnSpLocks noChangeShapeType="1"/>
-            </p:cNvCxnSpPr>
-            <p:nvPr>
-              <p:custDataLst>
-                <p:tags r:id="rId6"/>
-              </p:custDataLst>
-            </p:nvPr>
-          </p:nvCxnSpPr>
-          <p:spPr bwMode="auto">
-            <a:xfrm>
-              <a:off x="1198563" y="1927225"/>
-              <a:ext cx="3876675" cy="0"/>
-            </a:xfrm>
-            <a:prstGeom prst="line">
-              <a:avLst/>
-            </a:prstGeom>
-            <a:noFill/>
-            <a:ln w="6350" cmpd="sng">
-              <a:solidFill>
-                <a:schemeClr val="accent1"/>
-              </a:solidFill>
-              <a:prstDash val="sysDash"/>
-              <a:round/>
-              <a:headEnd type="oval" w="med" len="med"/>
-              <a:tailEnd type="oval" w="med" len="med"/>
-            </a:ln>
-            <a:extLst>
-              <a:ext uri="{909E8E84-426E-40DD-AFC4-6F175D3DCCD1}">
-                <a14:hiddenFill xmlns:a14="http://schemas.microsoft.com/office/drawing/2010/main">
-                  <a:noFill/>
-                </a14:hiddenFill>
-              </a:ext>
-            </a:extLst>
-          </p:spPr>
-        </p:cxnSp>
-        <p:cxnSp>
-          <p:nvCxnSpPr>
-            <p:cNvPr id="36875" name="直接连接符 13"/>
-            <p:cNvCxnSpPr>
-              <a:cxnSpLocks noChangeShapeType="1"/>
-            </p:cNvCxnSpPr>
-            <p:nvPr>
-              <p:custDataLst>
-                <p:tags r:id="rId7"/>
-              </p:custDataLst>
-            </p:nvPr>
-          </p:nvCxnSpPr>
-          <p:spPr bwMode="auto">
-            <a:xfrm rot="16200000" flipV="1">
-              <a:off x="2300288" y="4438650"/>
-              <a:ext cx="0" cy="1895475"/>
-            </a:xfrm>
-            <a:prstGeom prst="line">
-              <a:avLst/>
-            </a:prstGeom>
-            <a:noFill/>
-            <a:ln w="6350" cmpd="sng">
-              <a:solidFill>
-                <a:schemeClr val="accent1"/>
-              </a:solidFill>
-              <a:prstDash val="sysDash"/>
-              <a:round/>
-              <a:headEnd type="oval" w="med" len="med"/>
-              <a:tailEnd type="oval" w="med" len="med"/>
-            </a:ln>
-            <a:extLst>
-              <a:ext uri="{909E8E84-426E-40DD-AFC4-6F175D3DCCD1}">
-                <a14:hiddenFill xmlns:a14="http://schemas.microsoft.com/office/drawing/2010/main">
-                  <a:noFill/>
-                </a14:hiddenFill>
-              </a:ext>
-            </a:extLst>
-          </p:spPr>
-        </p:cxnSp>
-        <p:cxnSp>
-          <p:nvCxnSpPr>
-            <p:cNvPr id="36876" name="直接连接符 14"/>
-            <p:cNvCxnSpPr>
-              <a:cxnSpLocks noChangeShapeType="1"/>
-            </p:cNvCxnSpPr>
-            <p:nvPr>
-              <p:custDataLst>
-                <p:tags r:id="rId8"/>
-              </p:custDataLst>
-            </p:nvPr>
-          </p:nvCxnSpPr>
-          <p:spPr bwMode="auto">
-            <a:xfrm flipH="1" flipV="1">
-              <a:off x="1198563" y="4892675"/>
-              <a:ext cx="0" cy="493713"/>
-            </a:xfrm>
-            <a:prstGeom prst="line">
-              <a:avLst/>
-            </a:prstGeom>
-            <a:noFill/>
-            <a:ln w="6350" cmpd="sng">
-              <a:solidFill>
-                <a:schemeClr val="accent1"/>
-              </a:solidFill>
-              <a:prstDash val="sysDash"/>
-              <a:round/>
-              <a:headEnd type="oval" w="med" len="med"/>
-              <a:tailEnd type="oval" w="med" len="med"/>
-            </a:ln>
-            <a:extLst>
-              <a:ext uri="{909E8E84-426E-40DD-AFC4-6F175D3DCCD1}">
-                <a14:hiddenFill xmlns:a14="http://schemas.microsoft.com/office/drawing/2010/main">
-                  <a:noFill/>
-                </a14:hiddenFill>
-              </a:ext>
-            </a:extLst>
-          </p:spPr>
-        </p:cxnSp>
-      </p:grpSp>
-      <p:sp>
-        <p:nvSpPr>
-          <p:cNvPr id="2" name="标题 1"/>
-          <p:cNvSpPr>
-            <a:spLocks noGrp="1"/>
-          </p:cNvSpPr>
-          <p:nvPr>
-            <p:ph type="title"/>
-            <p:custDataLst>
-              <p:tags r:id="rId4"/>
-            </p:custDataLst>
-          </p:nvPr>
-        </p:nvSpPr>
-        <p:spPr>
-          <a:xfrm>
-            <a:off x="595841" y="191663"/>
-            <a:ext cx="9791700" cy="792163"/>
-          </a:xfrm>
-        </p:spPr>
-        <p:txBody>
-          <a:bodyPr wrap="square">
-            <a:normAutofit/>
-          </a:bodyPr>
-          <a:lstStyle/>
-          <a:p>
-            <a:r>
-              <a:rPr lang="zh-CN" altLang="en-US" sz="4000" dirty="0" smtClean="0"/>
-              <a:t>课堂导入</a:t>
-            </a:r>
-            <a:endParaRPr lang="zh-CN" altLang="en-US" sz="4000" dirty="0"/>
-          </a:p>
-        </p:txBody>
-      </p:sp>
-      <p:sp>
-        <p:nvSpPr>
-          <p:cNvPr id="3" name="矩形 2"/>
-          <p:cNvSpPr/>
-          <p:nvPr/>
-        </p:nvSpPr>
-        <p:spPr>
-          <a:xfrm>
-            <a:off x="1836738" y="2341223"/>
-            <a:ext cx="3902078" cy="2677656"/>
-          </a:xfrm>
-          <a:prstGeom prst="rect">
-            <a:avLst/>
-          </a:prstGeom>
-        </p:spPr>
-        <p:txBody>
-          <a:bodyPr wrap="square">
-            <a:spAutoFit/>
-          </a:bodyPr>
-          <a:lstStyle/>
-          <a:p>
-            <a:pPr>
-              <a:lnSpc>
-                <a:spcPct val="150000"/>
-              </a:lnSpc>
-            </a:pPr>
-            <a:r>
-              <a:rPr lang="zh-CN" altLang="en-US" sz="2800" dirty="0" smtClean="0"/>
-              <a:t>复习上一讲内容</a:t>
-            </a:r>
-            <a:endParaRPr lang="en-US" altLang="zh-CN" sz="2800" dirty="0" smtClean="0"/>
-          </a:p>
-          <a:p>
-            <a:pPr>
-              <a:lnSpc>
-                <a:spcPct val="150000"/>
-              </a:lnSpc>
-            </a:pPr>
-            <a:r>
-              <a:rPr lang="en-US" altLang="zh-CN" sz="2800" dirty="0" smtClean="0">
-                <a:solidFill>
-                  <a:srgbClr val="FF0000"/>
-                </a:solidFill>
-              </a:rPr>
-              <a:t>1</a:t>
-            </a:r>
-            <a:r>
-              <a:rPr lang="zh-CN" altLang="en-US" sz="2800" dirty="0" smtClean="0">
-                <a:solidFill>
-                  <a:srgbClr val="FF0000"/>
-                </a:solidFill>
-              </a:rPr>
-              <a:t>、文本样式</a:t>
-            </a:r>
-            <a:endParaRPr lang="en-US" altLang="zh-CN" sz="2800" dirty="0" smtClean="0">
-              <a:solidFill>
-                <a:srgbClr val="FF0000"/>
-              </a:solidFill>
-            </a:endParaRPr>
-          </a:p>
-          <a:p>
-            <a:pPr>
-              <a:lnSpc>
-                <a:spcPct val="150000"/>
-              </a:lnSpc>
-            </a:pPr>
-            <a:r>
-              <a:rPr lang="en-US" altLang="zh-CN" sz="2800" dirty="0" smtClean="0">
-                <a:solidFill>
-                  <a:srgbClr val="FF0000"/>
-                </a:solidFill>
-              </a:rPr>
-              <a:t>2</a:t>
-            </a:r>
-            <a:r>
-              <a:rPr lang="zh-CN" altLang="en-US" sz="2800" dirty="0" smtClean="0">
-                <a:solidFill>
-                  <a:srgbClr val="FF0000"/>
-                </a:solidFill>
-              </a:rPr>
-              <a:t>、背景样式</a:t>
-            </a:r>
-            <a:endParaRPr lang="en-US" altLang="zh-CN" sz="2800" dirty="0" smtClean="0">
-              <a:solidFill>
-                <a:srgbClr val="FF0000"/>
-              </a:solidFill>
-            </a:endParaRPr>
-          </a:p>
-          <a:p>
-            <a:pPr>
-              <a:lnSpc>
-                <a:spcPct val="150000"/>
-              </a:lnSpc>
-            </a:pPr>
-            <a:r>
-              <a:rPr lang="en-US" altLang="zh-CN" sz="2800" dirty="0" smtClean="0">
-                <a:solidFill>
-                  <a:srgbClr val="FF0000"/>
-                </a:solidFill>
-              </a:rPr>
-              <a:t>3</a:t>
-            </a:r>
-            <a:r>
-              <a:rPr lang="zh-CN" altLang="en-US" sz="2800" dirty="0" smtClean="0">
-                <a:solidFill>
-                  <a:srgbClr val="FF0000"/>
-                </a:solidFill>
-              </a:rPr>
-              <a:t>、边框样式</a:t>
-            </a:r>
-            <a:endParaRPr lang="zh-CN" altLang="en-US" sz="2800" dirty="0">
-              <a:solidFill>
-                <a:srgbClr val="FF0000"/>
-              </a:solidFill>
-            </a:endParaRPr>
-          </a:p>
-        </p:txBody>
-      </p:sp>
-    </p:spTree>
-    <p:custDataLst>
-      <p:tags r:id="rId1"/>
-    </p:custDataLst>
-    <p:extLst>
-      <p:ext uri="{BB962C8B-B14F-4D97-AF65-F5344CB8AC3E}">
-        <p14:creationId xmlns:p14="http://schemas.microsoft.com/office/powerpoint/2010/main" val="3041757927"/>
-      </p:ext>
-    </p:extLst>
-  </p:cSld>
-  <p:clrMapOvr>
-    <a:masterClrMapping/>
-  </p:clrMapOvr>
-  <p:timing>
-    <p:tnLst>
-      <p:par>
-        <p:cTn id="1" dur="indefinite" restart="never" nodeType="tmRoot"/>
-      </p:par>
-    </p:tnLst>
-  </p:timing>
-</p:sld>
-</file>
-
-<file path=ppt/slides/slide20.xml><?xml version="1.0" encoding="utf-8"?>
+<file path=ppt/slides/slide19.xml><?xml version="1.0" encoding="utf-8"?>
 <p:sld xmlns:a="http://schemas.openxmlformats.org/drawingml/2006/main" xmlns:r="http://schemas.openxmlformats.org/officeDocument/2006/relationships" xmlns:p="http://schemas.openxmlformats.org/presentationml/2006/main">
   <p:cSld>
     <p:spTree>
@@ -19916,7 +18662,7 @@
 </p:sld>
 </file>
 
-<file path=ppt/slides/slide3.xml><?xml version="1.0" encoding="utf-8"?>
+<file path=ppt/slides/slide2.xml><?xml version="1.0" encoding="utf-8"?>
 <p:sld xmlns:a="http://schemas.openxmlformats.org/drawingml/2006/main" xmlns:r="http://schemas.openxmlformats.org/officeDocument/2006/relationships" xmlns:p="http://schemas.openxmlformats.org/presentationml/2006/main">
   <p:cSld>
     <p:spTree>
@@ -21197,7 +19943,7 @@
 </p:sld>
 </file>
 
-<file path=ppt/slides/slide4.xml><?xml version="1.0" encoding="utf-8"?>
+<file path=ppt/slides/slide3.xml><?xml version="1.0" encoding="utf-8"?>
 <p:sld xmlns:a="http://schemas.openxmlformats.org/drawingml/2006/main" xmlns:r="http://schemas.openxmlformats.org/officeDocument/2006/relationships" xmlns:p="http://schemas.openxmlformats.org/presentationml/2006/main">
   <p:cSld>
     <p:spTree>
@@ -21680,7 +20426,7 @@
 </p:sld>
 </file>
 
-<file path=ppt/slides/slide5.xml><?xml version="1.0" encoding="utf-8"?>
+<file path=ppt/slides/slide4.xml><?xml version="1.0" encoding="utf-8"?>
 <p:sld xmlns:a="http://schemas.openxmlformats.org/drawingml/2006/main" xmlns:r="http://schemas.openxmlformats.org/officeDocument/2006/relationships" xmlns:p="http://schemas.openxmlformats.org/presentationml/2006/main">
   <p:cSld>
     <p:spTree>
@@ -21946,7 +20692,7 @@
 </p:sld>
 </file>
 
-<file path=ppt/slides/slide6.xml><?xml version="1.0" encoding="utf-8"?>
+<file path=ppt/slides/slide5.xml><?xml version="1.0" encoding="utf-8"?>
 <p:sld xmlns:a="http://schemas.openxmlformats.org/drawingml/2006/main" xmlns:r="http://schemas.openxmlformats.org/officeDocument/2006/relationships" xmlns:p="http://schemas.openxmlformats.org/presentationml/2006/main">
   <p:cSld>
     <p:spTree>
@@ -24057,7 +22803,7 @@
 </p:sld>
 </file>
 
-<file path=ppt/slides/slide7.xml><?xml version="1.0" encoding="utf-8"?>
+<file path=ppt/slides/slide6.xml><?xml version="1.0" encoding="utf-8"?>
 <p:sld xmlns:a="http://schemas.openxmlformats.org/drawingml/2006/main" xmlns:r="http://schemas.openxmlformats.org/officeDocument/2006/relationships" xmlns:p="http://schemas.openxmlformats.org/presentationml/2006/main">
   <p:cSld>
     <p:spTree>
@@ -25868,7 +24614,7 @@
 </p:sld>
 </file>
 
-<file path=ppt/slides/slide8.xml><?xml version="1.0" encoding="utf-8"?>
+<file path=ppt/slides/slide7.xml><?xml version="1.0" encoding="utf-8"?>
 <p:sld xmlns:a="http://schemas.openxmlformats.org/drawingml/2006/main" xmlns:r="http://schemas.openxmlformats.org/officeDocument/2006/relationships" xmlns:p="http://schemas.openxmlformats.org/presentationml/2006/main">
   <p:cSld>
     <p:spTree>
@@ -26215,7 +24961,7 @@
 </p:sld>
 </file>
 
-<file path=ppt/slides/slide9.xml><?xml version="1.0" encoding="utf-8"?>
+<file path=ppt/slides/slide8.xml><?xml version="1.0" encoding="utf-8"?>
 <p:sld xmlns:a="http://schemas.openxmlformats.org/drawingml/2006/main" xmlns:r="http://schemas.openxmlformats.org/officeDocument/2006/relationships" xmlns:p="http://schemas.openxmlformats.org/presentationml/2006/main">
   <p:cSld>
     <p:spTree>
@@ -26956,6 +25702,310 @@
 </p:sld>
 </file>
 
+<file path=ppt/slides/slide9.xml><?xml version="1.0" encoding="utf-8"?>
+<p:sld xmlns:a="http://schemas.openxmlformats.org/drawingml/2006/main" xmlns:r="http://schemas.openxmlformats.org/officeDocument/2006/relationships" xmlns:p="http://schemas.openxmlformats.org/presentationml/2006/main">
+  <p:cSld>
+    <p:spTree>
+      <p:nvGrpSpPr>
+        <p:cNvPr id="1" name=""/>
+        <p:cNvGrpSpPr/>
+        <p:nvPr/>
+      </p:nvGrpSpPr>
+      <p:grpSpPr>
+        <a:xfrm>
+          <a:off x="0" y="0"/>
+          <a:ext cx="0" cy="0"/>
+          <a:chOff x="0" y="0"/>
+          <a:chExt cx="0" cy="0"/>
+        </a:xfrm>
+      </p:grpSpPr>
+      <p:pic>
+        <p:nvPicPr>
+          <p:cNvPr id="2" name="Picture 2"/>
+          <p:cNvPicPr>
+            <a:picLocks noChangeAspect="1" noChangeArrowheads="1"/>
+          </p:cNvPicPr>
+          <p:nvPr/>
+        </p:nvPicPr>
+        <p:blipFill rotWithShape="1">
+          <a:blip r:embed="rId4">
+            <a:extLst>
+              <a:ext uri="{28A0092B-C50C-407E-A947-70E740481C1C}">
+                <a14:useLocalDpi xmlns:a14="http://schemas.microsoft.com/office/drawing/2010/main" val="0"/>
+              </a:ext>
+            </a:extLst>
+          </a:blip>
+          <a:srcRect l="54348" t="42917" r="24685" b="22500"/>
+          <a:stretch/>
+        </p:blipFill>
+        <p:spPr bwMode="auto">
+          <a:xfrm>
+            <a:off x="481965" y="719733"/>
+            <a:ext cx="4601378" cy="4267200"/>
+          </a:xfrm>
+          <a:prstGeom prst="rect">
+            <a:avLst/>
+          </a:prstGeom>
+          <a:noFill/>
+          <a:ln>
+            <a:noFill/>
+          </a:ln>
+          <a:extLst>
+            <a:ext uri="{909E8E84-426E-40DD-AFC4-6F175D3DCCD1}">
+              <a14:hiddenFill xmlns:a14="http://schemas.microsoft.com/office/drawing/2010/main">
+                <a:solidFill>
+                  <a:schemeClr val="accent1"/>
+                </a:solidFill>
+              </a14:hiddenFill>
+            </a:ext>
+            <a:ext uri="{91240B29-F687-4F45-9708-019B960494DF}">
+              <a14:hiddenLine xmlns:a14="http://schemas.microsoft.com/office/drawing/2010/main" w="9525">
+                <a:solidFill>
+                  <a:schemeClr val="tx1"/>
+                </a:solidFill>
+                <a:miter lim="800000"/>
+                <a:headEnd/>
+                <a:tailEnd/>
+              </a14:hiddenLine>
+            </a:ext>
+          </a:extLst>
+        </p:spPr>
+      </p:pic>
+      <p:sp>
+        <p:nvSpPr>
+          <p:cNvPr id="3" name="矩形 2"/>
+          <p:cNvSpPr/>
+          <p:nvPr/>
+        </p:nvSpPr>
+        <p:spPr>
+          <a:xfrm>
+            <a:off x="5651989" y="259664"/>
+            <a:ext cx="6096000" cy="6494085"/>
+          </a:xfrm>
+          <a:prstGeom prst="rect">
+            <a:avLst/>
+          </a:prstGeom>
+        </p:spPr>
+        <p:txBody>
+          <a:bodyPr>
+            <a:spAutoFit/>
+          </a:bodyPr>
+          <a:lstStyle/>
+          <a:p>
+            <a:r>
+              <a:rPr lang="en-US" altLang="zh-CN" sz="2000" dirty="0"/>
+              <a:t>&lt;style&gt;</a:t>
+            </a:r>
+          </a:p>
+          <a:p>
+            <a:r>
+              <a:rPr lang="en-US" altLang="zh-CN" sz="2000" dirty="0"/>
+              <a:t>#div1</a:t>
+            </a:r>
+          </a:p>
+          <a:p>
+            <a:r>
+              <a:rPr lang="en-US" altLang="zh-CN" sz="2000" dirty="0" smtClean="0"/>
+              <a:t>{position</a:t>
+            </a:r>
+            <a:r>
+              <a:rPr lang="en-US" altLang="zh-CN" sz="2000" dirty="0"/>
+              <a:t>: </a:t>
+            </a:r>
+            <a:r>
+              <a:rPr lang="en-US" altLang="zh-CN" sz="2000" dirty="0" err="1" smtClean="0"/>
+              <a:t>relative;height</a:t>
+            </a:r>
+            <a:r>
+              <a:rPr lang="en-US" altLang="zh-CN" sz="2000" dirty="0"/>
+              <a:t>: </a:t>
+            </a:r>
+            <a:r>
+              <a:rPr lang="en-US" altLang="zh-CN" sz="2000" dirty="0" smtClean="0"/>
+              <a:t>200px;width</a:t>
+            </a:r>
+            <a:r>
+              <a:rPr lang="en-US" altLang="zh-CN" sz="2000" dirty="0"/>
+              <a:t>: </a:t>
+            </a:r>
+            <a:r>
+              <a:rPr lang="en-US" altLang="zh-CN" sz="2000" dirty="0" smtClean="0"/>
+              <a:t>200px;margin</a:t>
+            </a:r>
+            <a:r>
+              <a:rPr lang="en-US" altLang="zh-CN" sz="2000" dirty="0"/>
+              <a:t>: 100px;</a:t>
+            </a:r>
+          </a:p>
+          <a:p>
+            <a:r>
+              <a:rPr lang="en-US" altLang="zh-CN" sz="2000" dirty="0" smtClean="0"/>
+              <a:t>padding:10px;border</a:t>
+            </a:r>
+            <a:r>
+              <a:rPr lang="en-US" altLang="zh-CN" sz="2000" dirty="0"/>
+              <a:t>: 1px solid black</a:t>
+            </a:r>
+            <a:r>
+              <a:rPr lang="en-US" altLang="zh-CN" sz="2000" dirty="0" smtClean="0"/>
+              <a:t>;}</a:t>
+            </a:r>
+            <a:endParaRPr lang="en-US" altLang="zh-CN" sz="2000" dirty="0"/>
+          </a:p>
+          <a:p>
+            <a:r>
+              <a:rPr lang="en-US" altLang="zh-CN" sz="2000" dirty="0"/>
+              <a:t>#</a:t>
+            </a:r>
+            <a:r>
+              <a:rPr lang="en-US" altLang="zh-CN" sz="2000" dirty="0" smtClean="0"/>
+              <a:t>div2{padding:50px;position</a:t>
+            </a:r>
+            <a:r>
+              <a:rPr lang="en-US" altLang="zh-CN" sz="2000" dirty="0"/>
+              <a:t>: </a:t>
+            </a:r>
+            <a:r>
+              <a:rPr lang="en-US" altLang="zh-CN" sz="2000" dirty="0" err="1" smtClean="0"/>
+              <a:t>absolute;border</a:t>
+            </a:r>
+            <a:r>
+              <a:rPr lang="en-US" altLang="zh-CN" sz="2000" dirty="0"/>
+              <a:t>: 1px solid black;</a:t>
+            </a:r>
+          </a:p>
+          <a:p>
+            <a:r>
+              <a:rPr lang="en-US" altLang="zh-CN" sz="2000" dirty="0"/>
+              <a:t>background-color: </a:t>
+            </a:r>
+            <a:r>
+              <a:rPr lang="en-US" altLang="zh-CN" sz="2000" dirty="0" err="1" smtClean="0"/>
+              <a:t>yellow;transform</a:t>
+            </a:r>
+            <a:r>
+              <a:rPr lang="en-US" altLang="zh-CN" sz="2000" dirty="0"/>
+              <a:t>: rotate(45deg</a:t>
+            </a:r>
+            <a:r>
+              <a:rPr lang="en-US" altLang="zh-CN" sz="2000" dirty="0" smtClean="0"/>
+              <a:t>);transform-origin:20</a:t>
+            </a:r>
+            <a:r>
+              <a:rPr lang="en-US" altLang="zh-CN" sz="2000" dirty="0"/>
+              <a:t>% 40%;</a:t>
+            </a:r>
+          </a:p>
+          <a:p>
+            <a:r>
+              <a:rPr lang="en-US" altLang="zh-CN" sz="2000" dirty="0"/>
+              <a:t>-</a:t>
+            </a:r>
+            <a:r>
+              <a:rPr lang="en-US" altLang="zh-CN" sz="2000" dirty="0" err="1"/>
+              <a:t>ms</a:t>
+            </a:r>
+            <a:r>
+              <a:rPr lang="en-US" altLang="zh-CN" sz="2000" dirty="0"/>
+              <a:t>-transform: rotate(45deg); /* IE 9 */</a:t>
+            </a:r>
+          </a:p>
+          <a:p>
+            <a:r>
+              <a:rPr lang="en-US" altLang="zh-CN" sz="2000" dirty="0"/>
+              <a:t>-ms-transform-origin:20% 40%; /* IE 9 */</a:t>
+            </a:r>
+          </a:p>
+          <a:p>
+            <a:r>
+              <a:rPr lang="en-US" altLang="zh-CN" sz="2000" dirty="0"/>
+              <a:t>-</a:t>
+            </a:r>
+            <a:r>
+              <a:rPr lang="en-US" altLang="zh-CN" sz="2000" dirty="0" err="1"/>
+              <a:t>webkit</a:t>
+            </a:r>
+            <a:r>
+              <a:rPr lang="en-US" altLang="zh-CN" sz="2000" dirty="0"/>
+              <a:t>-transform: rotate(45deg); /* Safari and Chrome */</a:t>
+            </a:r>
+          </a:p>
+          <a:p>
+            <a:r>
+              <a:rPr lang="en-US" altLang="zh-CN" sz="2000" dirty="0"/>
+              <a:t>-webkit-transform-origin:20% 40%; /* Safari and Chrome */</a:t>
+            </a:r>
+          </a:p>
+          <a:p>
+            <a:r>
+              <a:rPr lang="en-US" altLang="zh-CN" sz="2000" dirty="0"/>
+              <a:t>-</a:t>
+            </a:r>
+            <a:r>
+              <a:rPr lang="en-US" altLang="zh-CN" sz="2000" dirty="0" err="1"/>
+              <a:t>moz</a:t>
+            </a:r>
+            <a:r>
+              <a:rPr lang="en-US" altLang="zh-CN" sz="2000" dirty="0"/>
+              <a:t>-transform: rotate(45deg); /* Firefox */</a:t>
+            </a:r>
+          </a:p>
+          <a:p>
+            <a:r>
+              <a:rPr lang="en-US" altLang="zh-CN" sz="2000" dirty="0"/>
+              <a:t>-moz-transform-origin:20% 40%; /* Firefox */</a:t>
+            </a:r>
+          </a:p>
+          <a:p>
+            <a:r>
+              <a:rPr lang="en-US" altLang="zh-CN" sz="2000" dirty="0"/>
+              <a:t>-o-transform: rotate(45deg); /* Opera */</a:t>
+            </a:r>
+          </a:p>
+          <a:p>
+            <a:r>
+              <a:rPr lang="en-US" altLang="zh-CN" sz="2000" dirty="0"/>
+              <a:t>-o-transform-origin:20% 40%; /* Opera */</a:t>
+            </a:r>
+          </a:p>
+          <a:p>
+            <a:r>
+              <a:rPr lang="en-US" altLang="zh-CN" sz="2000" dirty="0"/>
+              <a:t>}</a:t>
+            </a:r>
+          </a:p>
+          <a:p>
+            <a:r>
+              <a:rPr lang="en-US" altLang="zh-CN" sz="2000" dirty="0"/>
+              <a:t>&lt;/style&gt;</a:t>
+            </a:r>
+            <a:endParaRPr lang="zh-CN" altLang="en-US" sz="2000" dirty="0"/>
+          </a:p>
+        </p:txBody>
+      </p:sp>
+    </p:spTree>
+    <p:custDataLst>
+      <p:tags r:id="rId1"/>
+    </p:custDataLst>
+    <p:extLst>
+      <p:ext uri="{BB962C8B-B14F-4D97-AF65-F5344CB8AC3E}">
+        <p14:creationId xmlns:p14="http://schemas.microsoft.com/office/powerpoint/2010/main" val="3169368493"/>
+      </p:ext>
+    </p:extLst>
+  </p:cSld>
+  <p:clrMapOvr>
+    <a:masterClrMapping/>
+  </p:clrMapOvr>
+  <p:timing>
+    <p:tnLst>
+      <p:par>
+        <p:cTn id="1" dur="indefinite" restart="never" nodeType="tmRoot"/>
+      </p:par>
+    </p:tnLst>
+  </p:timing>
+</p:sld>
+</file>
+
 <file path=ppt/tags/tag1.xml><?xml version="1.0" encoding="utf-8"?>
 <p:tagLst xmlns:a="http://schemas.openxmlformats.org/drawingml/2006/main" xmlns:r="http://schemas.openxmlformats.org/officeDocument/2006/relationships" xmlns:p="http://schemas.openxmlformats.org/presentationml/2006/main">
   <p:tag name="KSO_WM_TEMPLATE_THUMBS_INDEX" val="1、9、12、15、22、25、26、28、29"/>
@@ -26976,11 +26026,17 @@
 <p:tagLst xmlns:a="http://schemas.openxmlformats.org/drawingml/2006/main" xmlns:r="http://schemas.openxmlformats.org/officeDocument/2006/relationships" xmlns:p="http://schemas.openxmlformats.org/presentationml/2006/main">
   <p:tag name="KSO_WM_TAG_VERSION" val="1.0"/>
   <p:tag name="KSO_WM_BEAUTIFY_FLAG" val="#wm#"/>
-  <p:tag name="KSO_WM_UNIT_TYPE" val="i"/>
-  <p:tag name="KSO_WM_UNIT_ID" val="custom160336_28*i*20"/>
   <p:tag name="KSO_WM_TEMPLATE_CATEGORY" val="custom"/>
   <p:tag name="KSO_WM_TEMPLATE_INDEX" val="160336"/>
-  <p:tag name="KSO_WM_UNIT_INDEX" val="20"/>
+  <p:tag name="KSO_WM_UNIT_TYPE" val="l_i"/>
+  <p:tag name="KSO_WM_UNIT_INDEX" val="1_1"/>
+  <p:tag name="KSO_WM_UNIT_ID" val="custom160336_11*l_i*1_1"/>
+  <p:tag name="KSO_WM_UNIT_CLEAR" val="1"/>
+  <p:tag name="KSO_WM_UNIT_LAYERLEVEL" val="1_1"/>
+  <p:tag name="KSO_WM_DIAGRAM_GROUP_CODE" val="l1-1"/>
+  <p:tag name="KSO_WM_UNIT_FILL_FORE_SCHEMECOLOR_INDEX" val="5"/>
+  <p:tag name="KSO_WM_UNIT_FILL_TYPE" val="1"/>
+  <p:tag name="KSO_WM_UNIT_USESOURCEFORMAT_APPLY" val="1"/>
 </p:tagLst>
 </file>
 
@@ -26988,23 +26044,38 @@
 <p:tagLst xmlns:a="http://schemas.openxmlformats.org/drawingml/2006/main" xmlns:r="http://schemas.openxmlformats.org/officeDocument/2006/relationships" xmlns:p="http://schemas.openxmlformats.org/presentationml/2006/main">
   <p:tag name="KSO_WM_TAG_VERSION" val="1.0"/>
   <p:tag name="KSO_WM_BEAUTIFY_FLAG" val="#wm#"/>
-  <p:tag name="KSO_WM_UNIT_TYPE" val="i"/>
-  <p:tag name="KSO_WM_UNIT_ID" val="custom160336_28*i*21"/>
   <p:tag name="KSO_WM_TEMPLATE_CATEGORY" val="custom"/>
   <p:tag name="KSO_WM_TEMPLATE_INDEX" val="160336"/>
-  <p:tag name="KSO_WM_UNIT_INDEX" val="21"/>
+  <p:tag name="KSO_WM_UNIT_TYPE" val="l_h_f"/>
+  <p:tag name="KSO_WM_UNIT_INDEX" val="1_1_1"/>
+  <p:tag name="KSO_WM_UNIT_ID" val="custom160336_11*l_h_f*1_1_1"/>
+  <p:tag name="KSO_WM_UNIT_CLEAR" val="1"/>
+  <p:tag name="KSO_WM_UNIT_LAYERLEVEL" val="1_1_1"/>
+  <p:tag name="KSO_WM_UNIT_VALUE" val="15"/>
+  <p:tag name="KSO_WM_UNIT_HIGHLIGHT" val="0"/>
+  <p:tag name="KSO_WM_UNIT_COMPATIBLE" val="0"/>
+  <p:tag name="KSO_WM_UNIT_PRESET_TEXT_INDEX" val="4"/>
+  <p:tag name="KSO_WM_UNIT_PRESET_TEXT_LEN" val="26"/>
+  <p:tag name="KSO_WM_DIAGRAM_GROUP_CODE" val="l1-1"/>
+  <p:tag name="KSO_WM_UNIT_TEXT_FILL_FORE_SCHEMECOLOR_INDEX" val="13"/>
+  <p:tag name="KSO_WM_UNIT_TEXT_FILL_TYPE" val="1"/>
+  <p:tag name="KSO_WM_UNIT_USESOURCEFORMAT_APPLY" val="1"/>
 </p:tagLst>
 </file>
 
 <file path=ppt/tags/tag12.xml><?xml version="1.0" encoding="utf-8"?>
 <p:tagLst xmlns:a="http://schemas.openxmlformats.org/drawingml/2006/main" xmlns:r="http://schemas.openxmlformats.org/officeDocument/2006/relationships" xmlns:p="http://schemas.openxmlformats.org/presentationml/2006/main">
-  <p:tag name="KSO_WM_TAG_VERSION" val="1.0"/>
-  <p:tag name="KSO_WM_BEAUTIFY_FLAG" val="#wm#"/>
-  <p:tag name="KSO_WM_UNIT_TYPE" val="i"/>
-  <p:tag name="KSO_WM_UNIT_ID" val="custom160336_28*i*7"/>
   <p:tag name="KSO_WM_TEMPLATE_CATEGORY" val="custom"/>
   <p:tag name="KSO_WM_TEMPLATE_INDEX" val="160336"/>
-  <p:tag name="KSO_WM_UNIT_INDEX" val="7"/>
+  <p:tag name="KSO_WM_TAG_VERSION" val="1.0"/>
+  <p:tag name="KSO_WM_SLIDE_ID" val="custom160336_6"/>
+  <p:tag name="KSO_WM_SLIDE_INDEX" val="6"/>
+  <p:tag name="KSO_WM_SLIDE_ITEM_CNT" val="1"/>
+  <p:tag name="KSO_WM_SLIDE_LAYOUT" val="a_l"/>
+  <p:tag name="KSO_WM_SLIDE_LAYOUT_CNT" val="1_1"/>
+  <p:tag name="KSO_WM_SLIDE_TYPE" val="contents"/>
+  <p:tag name="KSO_WM_BEAUTIFY_FLAG" val="#wm#"/>
+  <p:tag name="KSO_WM_DIAGRAM_GROUP_CODE" val="l1-1"/>
 </p:tagLst>
 </file>
 
@@ -27013,10 +26084,10 @@
   <p:tag name="KSO_WM_TAG_VERSION" val="1.0"/>
   <p:tag name="KSO_WM_BEAUTIFY_FLAG" val="#wm#"/>
   <p:tag name="KSO_WM_UNIT_TYPE" val="i"/>
-  <p:tag name="KSO_WM_UNIT_ID" val="custom160336_28*i*8"/>
+  <p:tag name="KSO_WM_UNIT_ID" val="custom160336_6*i*0"/>
   <p:tag name="KSO_WM_TEMPLATE_CATEGORY" val="custom"/>
   <p:tag name="KSO_WM_TEMPLATE_INDEX" val="160336"/>
-  <p:tag name="KSO_WM_UNIT_INDEX" val="8"/>
+  <p:tag name="KSO_WM_UNIT_INDEX" val="0"/>
 </p:tagLst>
 </file>
 
@@ -27024,11 +26095,17 @@
 <p:tagLst xmlns:a="http://schemas.openxmlformats.org/drawingml/2006/main" xmlns:r="http://schemas.openxmlformats.org/officeDocument/2006/relationships" xmlns:p="http://schemas.openxmlformats.org/presentationml/2006/main">
   <p:tag name="KSO_WM_TAG_VERSION" val="1.0"/>
   <p:tag name="KSO_WM_BEAUTIFY_FLAG" val="#wm#"/>
-  <p:tag name="KSO_WM_UNIT_TYPE" val="i"/>
-  <p:tag name="KSO_WM_UNIT_ID" val="custom160336_28*i*9"/>
   <p:tag name="KSO_WM_TEMPLATE_CATEGORY" val="custom"/>
   <p:tag name="KSO_WM_TEMPLATE_INDEX" val="160336"/>
-  <p:tag name="KSO_WM_UNIT_INDEX" val="9"/>
+  <p:tag name="KSO_WM_UNIT_TYPE" val="l_i"/>
+  <p:tag name="KSO_WM_UNIT_INDEX" val="1_1"/>
+  <p:tag name="KSO_WM_UNIT_ID" val="custom160336_6*l_i*1_1"/>
+  <p:tag name="KSO_WM_UNIT_CLEAR" val="1"/>
+  <p:tag name="KSO_WM_UNIT_LAYERLEVEL" val="1_1"/>
+  <p:tag name="KSO_WM_DIAGRAM_GROUP_CODE" val="l1-1"/>
+  <p:tag name="KSO_WM_UNIT_FILL_FORE_SCHEMECOLOR_INDEX" val="5"/>
+  <p:tag name="KSO_WM_UNIT_FILL_TYPE" val="1"/>
+  <p:tag name="KSO_WM_UNIT_USESOURCEFORMAT_APPLY" val="1"/>
 </p:tagLst>
 </file>
 
@@ -27036,15 +26113,43 @@
 <p:tagLst xmlns:a="http://schemas.openxmlformats.org/drawingml/2006/main" xmlns:r="http://schemas.openxmlformats.org/officeDocument/2006/relationships" xmlns:p="http://schemas.openxmlformats.org/presentationml/2006/main">
   <p:tag name="KSO_WM_TAG_VERSION" val="1.0"/>
   <p:tag name="KSO_WM_BEAUTIFY_FLAG" val="#wm#"/>
-  <p:tag name="KSO_WM_UNIT_TYPE" val="i"/>
-  <p:tag name="KSO_WM_UNIT_ID" val="custom160336_28*i*10"/>
   <p:tag name="KSO_WM_TEMPLATE_CATEGORY" val="custom"/>
   <p:tag name="KSO_WM_TEMPLATE_INDEX" val="160336"/>
-  <p:tag name="KSO_WM_UNIT_INDEX" val="10"/>
+  <p:tag name="KSO_WM_UNIT_TYPE" val="l_h_f"/>
+  <p:tag name="KSO_WM_UNIT_INDEX" val="1_1_1"/>
+  <p:tag name="KSO_WM_UNIT_ID" val="custom160336_6*l_h_f*1_1_1"/>
+  <p:tag name="KSO_WM_UNIT_CLEAR" val="1"/>
+  <p:tag name="KSO_WM_UNIT_LAYERLEVEL" val="1_1_1"/>
+  <p:tag name="KSO_WM_UNIT_VALUE" val="32"/>
+  <p:tag name="KSO_WM_UNIT_HIGHLIGHT" val="0"/>
+  <p:tag name="KSO_WM_UNIT_COMPATIBLE" val="0"/>
+  <p:tag name="KSO_WM_UNIT_PRESET_TEXT_INDEX" val="4"/>
+  <p:tag name="KSO_WM_UNIT_PRESET_TEXT_LEN" val="26"/>
+  <p:tag name="KSO_WM_DIAGRAM_GROUP_CODE" val="l1-1"/>
+  <p:tag name="KSO_WM_UNIT_TEXT_FILL_FORE_SCHEMECOLOR_INDEX" val="13"/>
+  <p:tag name="KSO_WM_UNIT_TEXT_FILL_TYPE" val="1"/>
+  <p:tag name="KSO_WM_UNIT_USESOURCEFORMAT_APPLY" val="1"/>
 </p:tagLst>
 </file>
 
 <file path=ppt/tags/tag16.xml><?xml version="1.0" encoding="utf-8"?>
+<p:tagLst xmlns:a="http://schemas.openxmlformats.org/drawingml/2006/main" xmlns:r="http://schemas.openxmlformats.org/officeDocument/2006/relationships" xmlns:p="http://schemas.openxmlformats.org/presentationml/2006/main">
+  <p:tag name="KSO_WM_TEMPLATE_CATEGORY" val="custom"/>
+  <p:tag name="KSO_WM_TEMPLATE_INDEX" val="160336"/>
+  <p:tag name="KSO_WM_TAG_VERSION" val="1.0"/>
+  <p:tag name="KSO_WM_SLIDE_ID" val="custom160336_2"/>
+  <p:tag name="KSO_WM_SLIDE_INDEX" val="2"/>
+  <p:tag name="KSO_WM_SLIDE_ITEM_CNT" val="1"/>
+  <p:tag name="KSO_WM_SLIDE_LAYOUT" val="a_f"/>
+  <p:tag name="KSO_WM_SLIDE_LAYOUT_CNT" val="1_1"/>
+  <p:tag name="KSO_WM_SLIDE_TYPE" val="text"/>
+  <p:tag name="KSO_WM_BEAUTIFY_FLAG" val="#wm#"/>
+  <p:tag name="KSO_WM_SLIDE_POSITION" val="109*173"/>
+  <p:tag name="KSO_WM_SLIDE_SIZE" val="618*244"/>
+</p:tagLst>
+</file>
+
+<file path=ppt/tags/tag17.xml><?xml version="1.0" encoding="utf-8"?>
 <p:tagLst xmlns:a="http://schemas.openxmlformats.org/drawingml/2006/main" xmlns:r="http://schemas.openxmlformats.org/officeDocument/2006/relationships" xmlns:p="http://schemas.openxmlformats.org/presentationml/2006/main">
   <p:tag name="KSO_WM_TAG_VERSION" val="1.0"/>
   <p:tag name="KSO_WM_BEAUTIFY_FLAG" val="#wm#"/>
@@ -27064,46 +26169,37 @@
 </p:tagLst>
 </file>
 
-<file path=ppt/tags/tag17.xml><?xml version="1.0" encoding="utf-8"?>
+<file path=ppt/tags/tag18.xml><?xml version="1.0" encoding="utf-8"?>
 <p:tagLst xmlns:a="http://schemas.openxmlformats.org/drawingml/2006/main" xmlns:r="http://schemas.openxmlformats.org/officeDocument/2006/relationships" xmlns:p="http://schemas.openxmlformats.org/presentationml/2006/main">
-  <p:tag name="KSO_WM_TAG_VERSION" val="1.0"/>
-  <p:tag name="KSO_WM_BEAUTIFY_FLAG" val="#wm#"/>
-  <p:tag name="KSO_WM_UNIT_TYPE" val="i"/>
-  <p:tag name="KSO_WM_UNIT_ID" val="custom160336_11*i*0"/>
   <p:tag name="KSO_WM_TEMPLATE_CATEGORY" val="custom"/>
   <p:tag name="KSO_WM_TEMPLATE_INDEX" val="160336"/>
-  <p:tag name="KSO_WM_UNIT_INDEX" val="0"/>
-</p:tagLst>
-</file>
-
-<file path=ppt/tags/tag18.xml><?xml version="1.0" encoding="utf-8"?>
-<p:tagLst xmlns:a="http://schemas.openxmlformats.org/drawingml/2006/main" xmlns:r="http://schemas.openxmlformats.org/officeDocument/2006/relationships" xmlns:p="http://schemas.openxmlformats.org/presentationml/2006/main">
   <p:tag name="KSO_WM_TAG_VERSION" val="1.0"/>
+  <p:tag name="KSO_WM_SLIDE_ID" val="custom160336_4"/>
+  <p:tag name="KSO_WM_SLIDE_INDEX" val="4"/>
+  <p:tag name="KSO_WM_SLIDE_ITEM_CNT" val="3"/>
+  <p:tag name="KSO_WM_SLIDE_LAYOUT" val="a_f_d"/>
+  <p:tag name="KSO_WM_SLIDE_LAYOUT_CNT" val="1_1_1"/>
+  <p:tag name="KSO_WM_SLIDE_TYPE" val="text"/>
   <p:tag name="KSO_WM_BEAUTIFY_FLAG" val="#wm#"/>
-  <p:tag name="KSO_WM_UNIT_TYPE" val="i"/>
-  <p:tag name="KSO_WM_UNIT_ID" val="custom160336_11*i*5"/>
-  <p:tag name="KSO_WM_TEMPLATE_CATEGORY" val="custom"/>
-  <p:tag name="KSO_WM_TEMPLATE_INDEX" val="160336"/>
-  <p:tag name="KSO_WM_UNIT_INDEX" val="5"/>
+  <p:tag name="KSO_WM_SLIDE_POSITION" val="56*57"/>
+  <p:tag name="KSO_WM_SLIDE_SIZE" val="840*426"/>
 </p:tagLst>
 </file>
 
 <file path=ppt/tags/tag19.xml><?xml version="1.0" encoding="utf-8"?>
 <p:tagLst xmlns:a="http://schemas.openxmlformats.org/drawingml/2006/main" xmlns:r="http://schemas.openxmlformats.org/officeDocument/2006/relationships" xmlns:p="http://schemas.openxmlformats.org/presentationml/2006/main">
-  <p:tag name="KSO_WM_TAG_VERSION" val="1.0"/>
-  <p:tag name="KSO_WM_BEAUTIFY_FLAG" val="#wm#"/>
   <p:tag name="KSO_WM_TEMPLATE_CATEGORY" val="custom"/>
   <p:tag name="KSO_WM_TEMPLATE_INDEX" val="160336"/>
-  <p:tag name="KSO_WM_UNIT_TYPE" val="a"/>
-  <p:tag name="KSO_WM_UNIT_INDEX" val="1"/>
-  <p:tag name="KSO_WM_UNIT_ID" val="custom160336_11*a*1"/>
-  <p:tag name="KSO_WM_UNIT_CLEAR" val="1"/>
-  <p:tag name="KSO_WM_UNIT_LAYERLEVEL" val="1"/>
-  <p:tag name="KSO_WM_UNIT_ISCONTENTSTITLE" val="1"/>
-  <p:tag name="KSO_WM_UNIT_VALUE" val="5"/>
-  <p:tag name="KSO_WM_UNIT_HIGHLIGHT" val="0"/>
-  <p:tag name="KSO_WM_UNIT_COMPATIBLE" val="0"/>
-  <p:tag name="KSO_WM_UNIT_PRESET_TEXT" val="CONTENTS"/>
+  <p:tag name="KSO_WM_TAG_VERSION" val="1.0"/>
+  <p:tag name="KSO_WM_SLIDE_ID" val="custom160336_4"/>
+  <p:tag name="KSO_WM_SLIDE_INDEX" val="4"/>
+  <p:tag name="KSO_WM_SLIDE_ITEM_CNT" val="3"/>
+  <p:tag name="KSO_WM_SLIDE_LAYOUT" val="a_f_d"/>
+  <p:tag name="KSO_WM_SLIDE_LAYOUT_CNT" val="1_1_1"/>
+  <p:tag name="KSO_WM_SLIDE_TYPE" val="text"/>
+  <p:tag name="KSO_WM_BEAUTIFY_FLAG" val="#wm#"/>
+  <p:tag name="KSO_WM_SLIDE_POSITION" val="56*57"/>
+  <p:tag name="KSO_WM_SLIDE_SIZE" val="840*426"/>
 </p:tagLst>
 </file>
 
@@ -27129,24 +26225,18 @@
 
 <file path=ppt/tags/tag20.xml><?xml version="1.0" encoding="utf-8"?>
 <p:tagLst xmlns:a="http://schemas.openxmlformats.org/drawingml/2006/main" xmlns:r="http://schemas.openxmlformats.org/officeDocument/2006/relationships" xmlns:p="http://schemas.openxmlformats.org/presentationml/2006/main">
-  <p:tag name="KSO_WM_TAG_VERSION" val="1.0"/>
-  <p:tag name="KSO_WM_BEAUTIFY_FLAG" val="#wm#"/>
   <p:tag name="KSO_WM_TEMPLATE_CATEGORY" val="custom"/>
   <p:tag name="KSO_WM_TEMPLATE_INDEX" val="160336"/>
-  <p:tag name="KSO_WM_UNIT_TYPE" val="l_h_f"/>
-  <p:tag name="KSO_WM_UNIT_INDEX" val="1_2_1"/>
-  <p:tag name="KSO_WM_UNIT_ID" val="custom160336_11*l_h_f*1_2_1"/>
-  <p:tag name="KSO_WM_UNIT_CLEAR" val="1"/>
-  <p:tag name="KSO_WM_UNIT_LAYERLEVEL" val="1_1_1"/>
-  <p:tag name="KSO_WM_UNIT_VALUE" val="15"/>
-  <p:tag name="KSO_WM_UNIT_HIGHLIGHT" val="0"/>
-  <p:tag name="KSO_WM_UNIT_COMPATIBLE" val="0"/>
-  <p:tag name="KSO_WM_UNIT_PRESET_TEXT_INDEX" val="4"/>
-  <p:tag name="KSO_WM_UNIT_PRESET_TEXT_LEN" val="26"/>
-  <p:tag name="KSO_WM_DIAGRAM_GROUP_CODE" val="l1-1"/>
-  <p:tag name="KSO_WM_UNIT_TEXT_FILL_FORE_SCHEMECOLOR_INDEX" val="13"/>
-  <p:tag name="KSO_WM_UNIT_TEXT_FILL_TYPE" val="1"/>
-  <p:tag name="KSO_WM_UNIT_USESOURCEFORMAT_APPLY" val="1"/>
+  <p:tag name="KSO_WM_TAG_VERSION" val="1.0"/>
+  <p:tag name="KSO_WM_SLIDE_ID" val="custom160336_2"/>
+  <p:tag name="KSO_WM_SLIDE_INDEX" val="2"/>
+  <p:tag name="KSO_WM_SLIDE_ITEM_CNT" val="1"/>
+  <p:tag name="KSO_WM_SLIDE_LAYOUT" val="a_f"/>
+  <p:tag name="KSO_WM_SLIDE_LAYOUT_CNT" val="1_1"/>
+  <p:tag name="KSO_WM_SLIDE_TYPE" val="text"/>
+  <p:tag name="KSO_WM_BEAUTIFY_FLAG" val="#wm#"/>
+  <p:tag name="KSO_WM_SLIDE_POSITION" val="109*173"/>
+  <p:tag name="KSO_WM_SLIDE_SIZE" val="618*244"/>
 </p:tagLst>
 </file>
 
@@ -27156,129 +26246,55 @@
   <p:tag name="KSO_WM_BEAUTIFY_FLAG" val="#wm#"/>
   <p:tag name="KSO_WM_TEMPLATE_CATEGORY" val="custom"/>
   <p:tag name="KSO_WM_TEMPLATE_INDEX" val="160336"/>
-  <p:tag name="KSO_WM_UNIT_TYPE" val="l_i"/>
-  <p:tag name="KSO_WM_UNIT_INDEX" val="1_2"/>
-  <p:tag name="KSO_WM_UNIT_ID" val="custom160336_11*l_i*1_2"/>
+  <p:tag name="KSO_WM_UNIT_TYPE" val="a"/>
+  <p:tag name="KSO_WM_UNIT_INDEX" val="1"/>
+  <p:tag name="KSO_WM_UNIT_ID" val="custom160336_2*a*1"/>
   <p:tag name="KSO_WM_UNIT_CLEAR" val="1"/>
-  <p:tag name="KSO_WM_UNIT_LAYERLEVEL" val="1_1"/>
-  <p:tag name="KSO_WM_DIAGRAM_GROUP_CODE" val="l1-1"/>
-  <p:tag name="KSO_WM_UNIT_FILL_FORE_SCHEMECOLOR_INDEX" val="6"/>
-  <p:tag name="KSO_WM_UNIT_FILL_TYPE" val="1"/>
-  <p:tag name="KSO_WM_UNIT_USESOURCEFORMAT_APPLY" val="1"/>
+  <p:tag name="KSO_WM_UNIT_LAYERLEVEL" val="1"/>
+  <p:tag name="KSO_WM_UNIT_VALUE" val="27"/>
+  <p:tag name="KSO_WM_UNIT_ISCONTENTSTITLE" val="0"/>
+  <p:tag name="KSO_WM_UNIT_HIGHLIGHT" val="0"/>
+  <p:tag name="KSO_WM_UNIT_COMPATIBLE" val="0"/>
+  <p:tag name="KSO_WM_UNIT_PRESET_TEXT_INDEX" val="3"/>
+  <p:tag name="KSO_WM_UNIT_PRESET_TEXT_LEN" val="17"/>
 </p:tagLst>
 </file>
 
 <file path=ppt/tags/tag22.xml><?xml version="1.0" encoding="utf-8"?>
 <p:tagLst xmlns:a="http://schemas.openxmlformats.org/drawingml/2006/main" xmlns:r="http://schemas.openxmlformats.org/officeDocument/2006/relationships" xmlns:p="http://schemas.openxmlformats.org/presentationml/2006/main">
-  <p:tag name="KSO_WM_TAG_VERSION" val="1.0"/>
-  <p:tag name="KSO_WM_BEAUTIFY_FLAG" val="#wm#"/>
   <p:tag name="KSO_WM_TEMPLATE_CATEGORY" val="custom"/>
   <p:tag name="KSO_WM_TEMPLATE_INDEX" val="160336"/>
-  <p:tag name="KSO_WM_UNIT_TYPE" val="l_i"/>
-  <p:tag name="KSO_WM_UNIT_INDEX" val="1_1"/>
-  <p:tag name="KSO_WM_UNIT_ID" val="custom160336_11*l_i*1_1"/>
-  <p:tag name="KSO_WM_UNIT_CLEAR" val="1"/>
-  <p:tag name="KSO_WM_UNIT_LAYERLEVEL" val="1_1"/>
-  <p:tag name="KSO_WM_DIAGRAM_GROUP_CODE" val="l1-1"/>
-  <p:tag name="KSO_WM_UNIT_FILL_FORE_SCHEMECOLOR_INDEX" val="5"/>
-  <p:tag name="KSO_WM_UNIT_FILL_TYPE" val="1"/>
-  <p:tag name="KSO_WM_UNIT_USESOURCEFORMAT_APPLY" val="1"/>
+  <p:tag name="KSO_WM_TAG_VERSION" val="1.0"/>
+  <p:tag name="KSO_WM_SLIDE_ID" val="custom160336_4"/>
+  <p:tag name="KSO_WM_SLIDE_INDEX" val="4"/>
+  <p:tag name="KSO_WM_SLIDE_ITEM_CNT" val="3"/>
+  <p:tag name="KSO_WM_SLIDE_LAYOUT" val="a_f_d"/>
+  <p:tag name="KSO_WM_SLIDE_LAYOUT_CNT" val="1_1_1"/>
+  <p:tag name="KSO_WM_SLIDE_TYPE" val="text"/>
+  <p:tag name="KSO_WM_BEAUTIFY_FLAG" val="#wm#"/>
+  <p:tag name="KSO_WM_SLIDE_POSITION" val="56*57"/>
+  <p:tag name="KSO_WM_SLIDE_SIZE" val="840*426"/>
 </p:tagLst>
 </file>
 
 <file path=ppt/tags/tag23.xml><?xml version="1.0" encoding="utf-8"?>
 <p:tagLst xmlns:a="http://schemas.openxmlformats.org/drawingml/2006/main" xmlns:r="http://schemas.openxmlformats.org/officeDocument/2006/relationships" xmlns:p="http://schemas.openxmlformats.org/presentationml/2006/main">
-  <p:tag name="KSO_WM_TAG_VERSION" val="1.0"/>
-  <p:tag name="KSO_WM_BEAUTIFY_FLAG" val="#wm#"/>
   <p:tag name="KSO_WM_TEMPLATE_CATEGORY" val="custom"/>
   <p:tag name="KSO_WM_TEMPLATE_INDEX" val="160336"/>
-  <p:tag name="KSO_WM_UNIT_TYPE" val="l_h_f"/>
-  <p:tag name="KSO_WM_UNIT_INDEX" val="1_1_1"/>
-  <p:tag name="KSO_WM_UNIT_ID" val="custom160336_11*l_h_f*1_1_1"/>
-  <p:tag name="KSO_WM_UNIT_CLEAR" val="1"/>
-  <p:tag name="KSO_WM_UNIT_LAYERLEVEL" val="1_1_1"/>
-  <p:tag name="KSO_WM_UNIT_VALUE" val="15"/>
-  <p:tag name="KSO_WM_UNIT_HIGHLIGHT" val="0"/>
-  <p:tag name="KSO_WM_UNIT_COMPATIBLE" val="0"/>
-  <p:tag name="KSO_WM_UNIT_PRESET_TEXT_INDEX" val="4"/>
-  <p:tag name="KSO_WM_UNIT_PRESET_TEXT_LEN" val="26"/>
-  <p:tag name="KSO_WM_DIAGRAM_GROUP_CODE" val="l1-1"/>
-  <p:tag name="KSO_WM_UNIT_TEXT_FILL_FORE_SCHEMECOLOR_INDEX" val="13"/>
-  <p:tag name="KSO_WM_UNIT_TEXT_FILL_TYPE" val="1"/>
-  <p:tag name="KSO_WM_UNIT_USESOURCEFORMAT_APPLY" val="1"/>
+  <p:tag name="KSO_WM_TAG_VERSION" val="1.0"/>
+  <p:tag name="KSO_WM_SLIDE_ID" val="custom160336_4"/>
+  <p:tag name="KSO_WM_SLIDE_INDEX" val="4"/>
+  <p:tag name="KSO_WM_SLIDE_ITEM_CNT" val="3"/>
+  <p:tag name="KSO_WM_SLIDE_LAYOUT" val="a_f_d"/>
+  <p:tag name="KSO_WM_SLIDE_LAYOUT_CNT" val="1_1_1"/>
+  <p:tag name="KSO_WM_SLIDE_TYPE" val="text"/>
+  <p:tag name="KSO_WM_BEAUTIFY_FLAG" val="#wm#"/>
+  <p:tag name="KSO_WM_SLIDE_POSITION" val="56*57"/>
+  <p:tag name="KSO_WM_SLIDE_SIZE" val="840*426"/>
 </p:tagLst>
 </file>
 
 <file path=ppt/tags/tag24.xml><?xml version="1.0" encoding="utf-8"?>
-<p:tagLst xmlns:a="http://schemas.openxmlformats.org/drawingml/2006/main" xmlns:r="http://schemas.openxmlformats.org/officeDocument/2006/relationships" xmlns:p="http://schemas.openxmlformats.org/presentationml/2006/main">
-  <p:tag name="KSO_WM_TEMPLATE_CATEGORY" val="custom"/>
-  <p:tag name="KSO_WM_TEMPLATE_INDEX" val="160336"/>
-  <p:tag name="KSO_WM_TAG_VERSION" val="1.0"/>
-  <p:tag name="KSO_WM_SLIDE_ID" val="custom160336_6"/>
-  <p:tag name="KSO_WM_SLIDE_INDEX" val="6"/>
-  <p:tag name="KSO_WM_SLIDE_ITEM_CNT" val="1"/>
-  <p:tag name="KSO_WM_SLIDE_LAYOUT" val="a_l"/>
-  <p:tag name="KSO_WM_SLIDE_LAYOUT_CNT" val="1_1"/>
-  <p:tag name="KSO_WM_SLIDE_TYPE" val="contents"/>
-  <p:tag name="KSO_WM_BEAUTIFY_FLAG" val="#wm#"/>
-  <p:tag name="KSO_WM_DIAGRAM_GROUP_CODE" val="l1-1"/>
-</p:tagLst>
-</file>
-
-<file path=ppt/tags/tag25.xml><?xml version="1.0" encoding="utf-8"?>
-<p:tagLst xmlns:a="http://schemas.openxmlformats.org/drawingml/2006/main" xmlns:r="http://schemas.openxmlformats.org/officeDocument/2006/relationships" xmlns:p="http://schemas.openxmlformats.org/presentationml/2006/main">
-  <p:tag name="KSO_WM_TAG_VERSION" val="1.0"/>
-  <p:tag name="KSO_WM_BEAUTIFY_FLAG" val="#wm#"/>
-  <p:tag name="KSO_WM_UNIT_TYPE" val="i"/>
-  <p:tag name="KSO_WM_UNIT_ID" val="custom160336_6*i*0"/>
-  <p:tag name="KSO_WM_TEMPLATE_CATEGORY" val="custom"/>
-  <p:tag name="KSO_WM_TEMPLATE_INDEX" val="160336"/>
-  <p:tag name="KSO_WM_UNIT_INDEX" val="0"/>
-</p:tagLst>
-</file>
-
-<file path=ppt/tags/tag26.xml><?xml version="1.0" encoding="utf-8"?>
-<p:tagLst xmlns:a="http://schemas.openxmlformats.org/drawingml/2006/main" xmlns:r="http://schemas.openxmlformats.org/officeDocument/2006/relationships" xmlns:p="http://schemas.openxmlformats.org/presentationml/2006/main">
-  <p:tag name="KSO_WM_TAG_VERSION" val="1.0"/>
-  <p:tag name="KSO_WM_BEAUTIFY_FLAG" val="#wm#"/>
-  <p:tag name="KSO_WM_TEMPLATE_CATEGORY" val="custom"/>
-  <p:tag name="KSO_WM_TEMPLATE_INDEX" val="160336"/>
-  <p:tag name="KSO_WM_UNIT_TYPE" val="l_i"/>
-  <p:tag name="KSO_WM_UNIT_INDEX" val="1_1"/>
-  <p:tag name="KSO_WM_UNIT_ID" val="custom160336_6*l_i*1_1"/>
-  <p:tag name="KSO_WM_UNIT_CLEAR" val="1"/>
-  <p:tag name="KSO_WM_UNIT_LAYERLEVEL" val="1_1"/>
-  <p:tag name="KSO_WM_DIAGRAM_GROUP_CODE" val="l1-1"/>
-  <p:tag name="KSO_WM_UNIT_FILL_FORE_SCHEMECOLOR_INDEX" val="5"/>
-  <p:tag name="KSO_WM_UNIT_FILL_TYPE" val="1"/>
-  <p:tag name="KSO_WM_UNIT_USESOURCEFORMAT_APPLY" val="1"/>
-</p:tagLst>
-</file>
-
-<file path=ppt/tags/tag27.xml><?xml version="1.0" encoding="utf-8"?>
-<p:tagLst xmlns:a="http://schemas.openxmlformats.org/drawingml/2006/main" xmlns:r="http://schemas.openxmlformats.org/officeDocument/2006/relationships" xmlns:p="http://schemas.openxmlformats.org/presentationml/2006/main">
-  <p:tag name="KSO_WM_TAG_VERSION" val="1.0"/>
-  <p:tag name="KSO_WM_BEAUTIFY_FLAG" val="#wm#"/>
-  <p:tag name="KSO_WM_TEMPLATE_CATEGORY" val="custom"/>
-  <p:tag name="KSO_WM_TEMPLATE_INDEX" val="160336"/>
-  <p:tag name="KSO_WM_UNIT_TYPE" val="l_h_f"/>
-  <p:tag name="KSO_WM_UNIT_INDEX" val="1_1_1"/>
-  <p:tag name="KSO_WM_UNIT_ID" val="custom160336_6*l_h_f*1_1_1"/>
-  <p:tag name="KSO_WM_UNIT_CLEAR" val="1"/>
-  <p:tag name="KSO_WM_UNIT_LAYERLEVEL" val="1_1_1"/>
-  <p:tag name="KSO_WM_UNIT_VALUE" val="32"/>
-  <p:tag name="KSO_WM_UNIT_HIGHLIGHT" val="0"/>
-  <p:tag name="KSO_WM_UNIT_COMPATIBLE" val="0"/>
-  <p:tag name="KSO_WM_UNIT_PRESET_TEXT_INDEX" val="4"/>
-  <p:tag name="KSO_WM_UNIT_PRESET_TEXT_LEN" val="26"/>
-  <p:tag name="KSO_WM_DIAGRAM_GROUP_CODE" val="l1-1"/>
-  <p:tag name="KSO_WM_UNIT_TEXT_FILL_FORE_SCHEMECOLOR_INDEX" val="13"/>
-  <p:tag name="KSO_WM_UNIT_TEXT_FILL_TYPE" val="1"/>
-  <p:tag name="KSO_WM_UNIT_USESOURCEFORMAT_APPLY" val="1"/>
-</p:tagLst>
-</file>
-
-<file path=ppt/tags/tag28.xml><?xml version="1.0" encoding="utf-8"?>
 <p:tagLst xmlns:a="http://schemas.openxmlformats.org/drawingml/2006/main" xmlns:r="http://schemas.openxmlformats.org/officeDocument/2006/relationships" xmlns:p="http://schemas.openxmlformats.org/presentationml/2006/main">
   <p:tag name="KSO_WM_TEMPLATE_CATEGORY" val="custom"/>
   <p:tag name="KSO_WM_TEMPLATE_INDEX" val="160336"/>
@@ -27295,7 +26311,7 @@
 </p:tagLst>
 </file>
 
-<file path=ppt/tags/tag29.xml><?xml version="1.0" encoding="utf-8"?>
+<file path=ppt/tags/tag25.xml><?xml version="1.0" encoding="utf-8"?>
 <p:tagLst xmlns:a="http://schemas.openxmlformats.org/drawingml/2006/main" xmlns:r="http://schemas.openxmlformats.org/officeDocument/2006/relationships" xmlns:p="http://schemas.openxmlformats.org/presentationml/2006/main">
   <p:tag name="KSO_WM_TAG_VERSION" val="1.0"/>
   <p:tag name="KSO_WM_BEAUTIFY_FLAG" val="#wm#"/>
@@ -27312,6 +26328,76 @@
   <p:tag name="KSO_WM_UNIT_COMPATIBLE" val="0"/>
   <p:tag name="KSO_WM_UNIT_PRESET_TEXT_INDEX" val="3"/>
   <p:tag name="KSO_WM_UNIT_PRESET_TEXT_LEN" val="17"/>
+</p:tagLst>
+</file>
+
+<file path=ppt/tags/tag26.xml><?xml version="1.0" encoding="utf-8"?>
+<p:tagLst xmlns:a="http://schemas.openxmlformats.org/drawingml/2006/main" xmlns:r="http://schemas.openxmlformats.org/officeDocument/2006/relationships" xmlns:p="http://schemas.openxmlformats.org/presentationml/2006/main">
+  <p:tag name="KSO_WM_TEMPLATE_CATEGORY" val="custom"/>
+  <p:tag name="KSO_WM_TEMPLATE_INDEX" val="160336"/>
+  <p:tag name="KSO_WM_TAG_VERSION" val="1.0"/>
+  <p:tag name="KSO_WM_SLIDE_ID" val="custom160336_4"/>
+  <p:tag name="KSO_WM_SLIDE_INDEX" val="4"/>
+  <p:tag name="KSO_WM_SLIDE_ITEM_CNT" val="3"/>
+  <p:tag name="KSO_WM_SLIDE_LAYOUT" val="a_f_d"/>
+  <p:tag name="KSO_WM_SLIDE_LAYOUT_CNT" val="1_1_1"/>
+  <p:tag name="KSO_WM_SLIDE_TYPE" val="text"/>
+  <p:tag name="KSO_WM_BEAUTIFY_FLAG" val="#wm#"/>
+  <p:tag name="KSO_WM_SLIDE_POSITION" val="56*57"/>
+  <p:tag name="KSO_WM_SLIDE_SIZE" val="840*426"/>
+</p:tagLst>
+</file>
+
+<file path=ppt/tags/tag27.xml><?xml version="1.0" encoding="utf-8"?>
+<p:tagLst xmlns:a="http://schemas.openxmlformats.org/drawingml/2006/main" xmlns:r="http://schemas.openxmlformats.org/officeDocument/2006/relationships" xmlns:p="http://schemas.openxmlformats.org/presentationml/2006/main">
+  <p:tag name="KSO_WM_TEMPLATE_CATEGORY" val="custom"/>
+  <p:tag name="KSO_WM_TEMPLATE_INDEX" val="160336"/>
+  <p:tag name="KSO_WM_TAG_VERSION" val="1.0"/>
+  <p:tag name="KSO_WM_SLIDE_ID" val="custom160336_2"/>
+  <p:tag name="KSO_WM_SLIDE_INDEX" val="2"/>
+  <p:tag name="KSO_WM_SLIDE_ITEM_CNT" val="1"/>
+  <p:tag name="KSO_WM_SLIDE_LAYOUT" val="a_f"/>
+  <p:tag name="KSO_WM_SLIDE_LAYOUT_CNT" val="1_1"/>
+  <p:tag name="KSO_WM_SLIDE_TYPE" val="text"/>
+  <p:tag name="KSO_WM_BEAUTIFY_FLAG" val="#wm#"/>
+  <p:tag name="KSO_WM_SLIDE_POSITION" val="109*173"/>
+  <p:tag name="KSO_WM_SLIDE_SIZE" val="618*244"/>
+</p:tagLst>
+</file>
+
+<file path=ppt/tags/tag28.xml><?xml version="1.0" encoding="utf-8"?>
+<p:tagLst xmlns:a="http://schemas.openxmlformats.org/drawingml/2006/main" xmlns:r="http://schemas.openxmlformats.org/officeDocument/2006/relationships" xmlns:p="http://schemas.openxmlformats.org/presentationml/2006/main">
+  <p:tag name="KSO_WM_TAG_VERSION" val="1.0"/>
+  <p:tag name="KSO_WM_BEAUTIFY_FLAG" val="#wm#"/>
+  <p:tag name="KSO_WM_TEMPLATE_CATEGORY" val="custom"/>
+  <p:tag name="KSO_WM_TEMPLATE_INDEX" val="160336"/>
+  <p:tag name="KSO_WM_UNIT_TYPE" val="a"/>
+  <p:tag name="KSO_WM_UNIT_INDEX" val="1"/>
+  <p:tag name="KSO_WM_UNIT_ID" val="custom160336_2*a*1"/>
+  <p:tag name="KSO_WM_UNIT_CLEAR" val="1"/>
+  <p:tag name="KSO_WM_UNIT_LAYERLEVEL" val="1"/>
+  <p:tag name="KSO_WM_UNIT_VALUE" val="27"/>
+  <p:tag name="KSO_WM_UNIT_ISCONTENTSTITLE" val="0"/>
+  <p:tag name="KSO_WM_UNIT_HIGHLIGHT" val="0"/>
+  <p:tag name="KSO_WM_UNIT_COMPATIBLE" val="0"/>
+  <p:tag name="KSO_WM_UNIT_PRESET_TEXT_INDEX" val="3"/>
+  <p:tag name="KSO_WM_UNIT_PRESET_TEXT_LEN" val="17"/>
+</p:tagLst>
+</file>
+
+<file path=ppt/tags/tag29.xml><?xml version="1.0" encoding="utf-8"?>
+<p:tagLst xmlns:a="http://schemas.openxmlformats.org/drawingml/2006/main" xmlns:r="http://schemas.openxmlformats.org/officeDocument/2006/relationships" xmlns:p="http://schemas.openxmlformats.org/presentationml/2006/main">
+  <p:tag name="KSO_WM_TEMPLATE_CATEGORY" val="custom"/>
+  <p:tag name="KSO_WM_TEMPLATE_INDEX" val="160336"/>
+  <p:tag name="KSO_WM_TAG_VERSION" val="1.0"/>
+  <p:tag name="KSO_WM_SLIDE_ID" val="custom160336_6"/>
+  <p:tag name="KSO_WM_SLIDE_INDEX" val="6"/>
+  <p:tag name="KSO_WM_SLIDE_ITEM_CNT" val="1"/>
+  <p:tag name="KSO_WM_SLIDE_LAYOUT" val="a_l"/>
+  <p:tag name="KSO_WM_SLIDE_LAYOUT_CNT" val="1_1"/>
+  <p:tag name="KSO_WM_SLIDE_TYPE" val="contents"/>
+  <p:tag name="KSO_WM_BEAUTIFY_FLAG" val="#wm#"/>
+  <p:tag name="KSO_WM_DIAGRAM_GROUP_CODE" val="l1-1"/>
 </p:tagLst>
 </file>
 
@@ -27337,39 +26423,58 @@
 
 <file path=ppt/tags/tag30.xml><?xml version="1.0" encoding="utf-8"?>
 <p:tagLst xmlns:a="http://schemas.openxmlformats.org/drawingml/2006/main" xmlns:r="http://schemas.openxmlformats.org/officeDocument/2006/relationships" xmlns:p="http://schemas.openxmlformats.org/presentationml/2006/main">
+  <p:tag name="KSO_WM_TAG_VERSION" val="1.0"/>
+  <p:tag name="KSO_WM_BEAUTIFY_FLAG" val="#wm#"/>
+  <p:tag name="KSO_WM_UNIT_TYPE" val="i"/>
+  <p:tag name="KSO_WM_UNIT_ID" val="custom160336_6*i*0"/>
   <p:tag name="KSO_WM_TEMPLATE_CATEGORY" val="custom"/>
   <p:tag name="KSO_WM_TEMPLATE_INDEX" val="160336"/>
-  <p:tag name="KSO_WM_TAG_VERSION" val="1.0"/>
-  <p:tag name="KSO_WM_SLIDE_ID" val="custom160336_4"/>
-  <p:tag name="KSO_WM_SLIDE_INDEX" val="4"/>
-  <p:tag name="KSO_WM_SLIDE_ITEM_CNT" val="3"/>
-  <p:tag name="KSO_WM_SLIDE_LAYOUT" val="a_f_d"/>
-  <p:tag name="KSO_WM_SLIDE_LAYOUT_CNT" val="1_1_1"/>
-  <p:tag name="KSO_WM_SLIDE_TYPE" val="text"/>
-  <p:tag name="KSO_WM_BEAUTIFY_FLAG" val="#wm#"/>
-  <p:tag name="KSO_WM_SLIDE_POSITION" val="56*57"/>
-  <p:tag name="KSO_WM_SLIDE_SIZE" val="840*426"/>
+  <p:tag name="KSO_WM_UNIT_INDEX" val="0"/>
 </p:tagLst>
 </file>
 
 <file path=ppt/tags/tag31.xml><?xml version="1.0" encoding="utf-8"?>
 <p:tagLst xmlns:a="http://schemas.openxmlformats.org/drawingml/2006/main" xmlns:r="http://schemas.openxmlformats.org/officeDocument/2006/relationships" xmlns:p="http://schemas.openxmlformats.org/presentationml/2006/main">
+  <p:tag name="KSO_WM_TAG_VERSION" val="1.0"/>
+  <p:tag name="KSO_WM_BEAUTIFY_FLAG" val="#wm#"/>
   <p:tag name="KSO_WM_TEMPLATE_CATEGORY" val="custom"/>
   <p:tag name="KSO_WM_TEMPLATE_INDEX" val="160336"/>
-  <p:tag name="KSO_WM_TAG_VERSION" val="1.0"/>
-  <p:tag name="KSO_WM_SLIDE_ID" val="custom160336_4"/>
-  <p:tag name="KSO_WM_SLIDE_INDEX" val="4"/>
-  <p:tag name="KSO_WM_SLIDE_ITEM_CNT" val="3"/>
-  <p:tag name="KSO_WM_SLIDE_LAYOUT" val="a_f_d"/>
-  <p:tag name="KSO_WM_SLIDE_LAYOUT_CNT" val="1_1_1"/>
-  <p:tag name="KSO_WM_SLIDE_TYPE" val="text"/>
-  <p:tag name="KSO_WM_BEAUTIFY_FLAG" val="#wm#"/>
-  <p:tag name="KSO_WM_SLIDE_POSITION" val="56*57"/>
-  <p:tag name="KSO_WM_SLIDE_SIZE" val="840*426"/>
+  <p:tag name="KSO_WM_UNIT_TYPE" val="l_i"/>
+  <p:tag name="KSO_WM_UNIT_INDEX" val="1_1"/>
+  <p:tag name="KSO_WM_UNIT_ID" val="custom160336_6*l_i*1_1"/>
+  <p:tag name="KSO_WM_UNIT_CLEAR" val="1"/>
+  <p:tag name="KSO_WM_UNIT_LAYERLEVEL" val="1_1"/>
+  <p:tag name="KSO_WM_DIAGRAM_GROUP_CODE" val="l1-1"/>
+  <p:tag name="KSO_WM_UNIT_FILL_FORE_SCHEMECOLOR_INDEX" val="5"/>
+  <p:tag name="KSO_WM_UNIT_FILL_TYPE" val="1"/>
+  <p:tag name="KSO_WM_UNIT_USESOURCEFORMAT_APPLY" val="1"/>
 </p:tagLst>
 </file>
 
 <file path=ppt/tags/tag32.xml><?xml version="1.0" encoding="utf-8"?>
+<p:tagLst xmlns:a="http://schemas.openxmlformats.org/drawingml/2006/main" xmlns:r="http://schemas.openxmlformats.org/officeDocument/2006/relationships" xmlns:p="http://schemas.openxmlformats.org/presentationml/2006/main">
+  <p:tag name="KSO_WM_TAG_VERSION" val="1.0"/>
+  <p:tag name="KSO_WM_BEAUTIFY_FLAG" val="#wm#"/>
+  <p:tag name="KSO_WM_TEMPLATE_CATEGORY" val="custom"/>
+  <p:tag name="KSO_WM_TEMPLATE_INDEX" val="160336"/>
+  <p:tag name="KSO_WM_UNIT_TYPE" val="l_h_f"/>
+  <p:tag name="KSO_WM_UNIT_INDEX" val="1_1_1"/>
+  <p:tag name="KSO_WM_UNIT_ID" val="custom160336_6*l_h_f*1_1_1"/>
+  <p:tag name="KSO_WM_UNIT_CLEAR" val="1"/>
+  <p:tag name="KSO_WM_UNIT_LAYERLEVEL" val="1_1_1"/>
+  <p:tag name="KSO_WM_UNIT_VALUE" val="32"/>
+  <p:tag name="KSO_WM_UNIT_HIGHLIGHT" val="0"/>
+  <p:tag name="KSO_WM_UNIT_COMPATIBLE" val="0"/>
+  <p:tag name="KSO_WM_UNIT_PRESET_TEXT_INDEX" val="4"/>
+  <p:tag name="KSO_WM_UNIT_PRESET_TEXT_LEN" val="26"/>
+  <p:tag name="KSO_WM_DIAGRAM_GROUP_CODE" val="l1-1"/>
+  <p:tag name="KSO_WM_UNIT_TEXT_FILL_FORE_SCHEMECOLOR_INDEX" val="13"/>
+  <p:tag name="KSO_WM_UNIT_TEXT_FILL_TYPE" val="1"/>
+  <p:tag name="KSO_WM_UNIT_USESOURCEFORMAT_APPLY" val="1"/>
+</p:tagLst>
+</file>
+
+<file path=ppt/tags/tag33.xml><?xml version="1.0" encoding="utf-8"?>
 <p:tagLst xmlns:a="http://schemas.openxmlformats.org/drawingml/2006/main" xmlns:r="http://schemas.openxmlformats.org/officeDocument/2006/relationships" xmlns:p="http://schemas.openxmlformats.org/presentationml/2006/main">
   <p:tag name="KSO_WM_TEMPLATE_CATEGORY" val="custom"/>
   <p:tag name="KSO_WM_TEMPLATE_INDEX" val="160336"/>
@@ -27386,7 +26491,7 @@
 </p:tagLst>
 </file>
 
-<file path=ppt/tags/tag33.xml><?xml version="1.0" encoding="utf-8"?>
+<file path=ppt/tags/tag34.xml><?xml version="1.0" encoding="utf-8"?>
 <p:tagLst xmlns:a="http://schemas.openxmlformats.org/drawingml/2006/main" xmlns:r="http://schemas.openxmlformats.org/officeDocument/2006/relationships" xmlns:p="http://schemas.openxmlformats.org/presentationml/2006/main">
   <p:tag name="KSO_WM_TAG_VERSION" val="1.0"/>
   <p:tag name="KSO_WM_BEAUTIFY_FLAG" val="#wm#"/>
@@ -27406,41 +26511,7 @@
 </p:tagLst>
 </file>
 
-<file path=ppt/tags/tag34.xml><?xml version="1.0" encoding="utf-8"?>
-<p:tagLst xmlns:a="http://schemas.openxmlformats.org/drawingml/2006/main" xmlns:r="http://schemas.openxmlformats.org/officeDocument/2006/relationships" xmlns:p="http://schemas.openxmlformats.org/presentationml/2006/main">
-  <p:tag name="KSO_WM_TEMPLATE_CATEGORY" val="custom"/>
-  <p:tag name="KSO_WM_TEMPLATE_INDEX" val="160336"/>
-  <p:tag name="KSO_WM_TAG_VERSION" val="1.0"/>
-  <p:tag name="KSO_WM_SLIDE_ID" val="custom160336_4"/>
-  <p:tag name="KSO_WM_SLIDE_INDEX" val="4"/>
-  <p:tag name="KSO_WM_SLIDE_ITEM_CNT" val="3"/>
-  <p:tag name="KSO_WM_SLIDE_LAYOUT" val="a_f_d"/>
-  <p:tag name="KSO_WM_SLIDE_LAYOUT_CNT" val="1_1_1"/>
-  <p:tag name="KSO_WM_SLIDE_TYPE" val="text"/>
-  <p:tag name="KSO_WM_BEAUTIFY_FLAG" val="#wm#"/>
-  <p:tag name="KSO_WM_SLIDE_POSITION" val="56*57"/>
-  <p:tag name="KSO_WM_SLIDE_SIZE" val="840*426"/>
-</p:tagLst>
-</file>
-
 <file path=ppt/tags/tag35.xml><?xml version="1.0" encoding="utf-8"?>
-<p:tagLst xmlns:a="http://schemas.openxmlformats.org/drawingml/2006/main" xmlns:r="http://schemas.openxmlformats.org/officeDocument/2006/relationships" xmlns:p="http://schemas.openxmlformats.org/presentationml/2006/main">
-  <p:tag name="KSO_WM_TEMPLATE_CATEGORY" val="custom"/>
-  <p:tag name="KSO_WM_TEMPLATE_INDEX" val="160336"/>
-  <p:tag name="KSO_WM_TAG_VERSION" val="1.0"/>
-  <p:tag name="KSO_WM_SLIDE_ID" val="custom160336_4"/>
-  <p:tag name="KSO_WM_SLIDE_INDEX" val="4"/>
-  <p:tag name="KSO_WM_SLIDE_ITEM_CNT" val="3"/>
-  <p:tag name="KSO_WM_SLIDE_LAYOUT" val="a_f_d"/>
-  <p:tag name="KSO_WM_SLIDE_LAYOUT_CNT" val="1_1_1"/>
-  <p:tag name="KSO_WM_SLIDE_TYPE" val="text"/>
-  <p:tag name="KSO_WM_BEAUTIFY_FLAG" val="#wm#"/>
-  <p:tag name="KSO_WM_SLIDE_POSITION" val="56*57"/>
-  <p:tag name="KSO_WM_SLIDE_SIZE" val="840*426"/>
-</p:tagLst>
-</file>
-
-<file path=ppt/tags/tag36.xml><?xml version="1.0" encoding="utf-8"?>
 <p:tagLst xmlns:a="http://schemas.openxmlformats.org/drawingml/2006/main" xmlns:r="http://schemas.openxmlformats.org/officeDocument/2006/relationships" xmlns:p="http://schemas.openxmlformats.org/presentationml/2006/main">
   <p:tag name="KSO_WM_TEMPLATE_CATEGORY" val="custom"/>
   <p:tag name="KSO_WM_TEMPLATE_INDEX" val="160336"/>
@@ -27457,7 +26528,7 @@
 </p:tagLst>
 </file>
 
-<file path=ppt/tags/tag37.xml><?xml version="1.0" encoding="utf-8"?>
+<file path=ppt/tags/tag36.xml><?xml version="1.0" encoding="utf-8"?>
 <p:tagLst xmlns:a="http://schemas.openxmlformats.org/drawingml/2006/main" xmlns:r="http://schemas.openxmlformats.org/officeDocument/2006/relationships" xmlns:p="http://schemas.openxmlformats.org/presentationml/2006/main">
   <p:tag name="KSO_WM_TAG_VERSION" val="1.0"/>
   <p:tag name="KSO_WM_BEAUTIFY_FLAG" val="#wm#"/>
@@ -27477,20 +26548,40 @@
 </p:tagLst>
 </file>
 
-<file path=ppt/tags/tag38.xml><?xml version="1.0" encoding="utf-8"?>
+<file path=ppt/tags/tag37.xml><?xml version="1.0" encoding="utf-8"?>
 <p:tagLst xmlns:a="http://schemas.openxmlformats.org/drawingml/2006/main" xmlns:r="http://schemas.openxmlformats.org/officeDocument/2006/relationships" xmlns:p="http://schemas.openxmlformats.org/presentationml/2006/main">
   <p:tag name="KSO_WM_TEMPLATE_CATEGORY" val="custom"/>
   <p:tag name="KSO_WM_TEMPLATE_INDEX" val="160336"/>
   <p:tag name="KSO_WM_TAG_VERSION" val="1.0"/>
-  <p:tag name="KSO_WM_SLIDE_ID" val="custom160336_4"/>
-  <p:tag name="KSO_WM_SLIDE_INDEX" val="4"/>
-  <p:tag name="KSO_WM_SLIDE_ITEM_CNT" val="3"/>
-  <p:tag name="KSO_WM_SLIDE_LAYOUT" val="a_f_d"/>
-  <p:tag name="KSO_WM_SLIDE_LAYOUT_CNT" val="1_1_1"/>
+  <p:tag name="KSO_WM_SLIDE_ID" val="custom160336_2"/>
+  <p:tag name="KSO_WM_SLIDE_INDEX" val="2"/>
+  <p:tag name="KSO_WM_SLIDE_ITEM_CNT" val="1"/>
+  <p:tag name="KSO_WM_SLIDE_LAYOUT" val="a_f"/>
+  <p:tag name="KSO_WM_SLIDE_LAYOUT_CNT" val="1_1"/>
   <p:tag name="KSO_WM_SLIDE_TYPE" val="text"/>
   <p:tag name="KSO_WM_BEAUTIFY_FLAG" val="#wm#"/>
-  <p:tag name="KSO_WM_SLIDE_POSITION" val="56*57"/>
-  <p:tag name="KSO_WM_SLIDE_SIZE" val="840*426"/>
+  <p:tag name="KSO_WM_SLIDE_POSITION" val="109*173"/>
+  <p:tag name="KSO_WM_SLIDE_SIZE" val="618*244"/>
+</p:tagLst>
+</file>
+
+<file path=ppt/tags/tag38.xml><?xml version="1.0" encoding="utf-8"?>
+<p:tagLst xmlns:a="http://schemas.openxmlformats.org/drawingml/2006/main" xmlns:r="http://schemas.openxmlformats.org/officeDocument/2006/relationships" xmlns:p="http://schemas.openxmlformats.org/presentationml/2006/main">
+  <p:tag name="KSO_WM_TAG_VERSION" val="1.0"/>
+  <p:tag name="KSO_WM_BEAUTIFY_FLAG" val="#wm#"/>
+  <p:tag name="KSO_WM_TEMPLATE_CATEGORY" val="custom"/>
+  <p:tag name="KSO_WM_TEMPLATE_INDEX" val="160336"/>
+  <p:tag name="KSO_WM_UNIT_TYPE" val="a"/>
+  <p:tag name="KSO_WM_UNIT_INDEX" val="1"/>
+  <p:tag name="KSO_WM_UNIT_ID" val="custom160336_2*a*1"/>
+  <p:tag name="KSO_WM_UNIT_CLEAR" val="1"/>
+  <p:tag name="KSO_WM_UNIT_LAYERLEVEL" val="1"/>
+  <p:tag name="KSO_WM_UNIT_VALUE" val="27"/>
+  <p:tag name="KSO_WM_UNIT_ISCONTENTSTITLE" val="0"/>
+  <p:tag name="KSO_WM_UNIT_HIGHLIGHT" val="0"/>
+  <p:tag name="KSO_WM_UNIT_COMPATIBLE" val="0"/>
+  <p:tag name="KSO_WM_UNIT_PRESET_TEXT_INDEX" val="3"/>
+  <p:tag name="KSO_WM_UNIT_PRESET_TEXT_LEN" val="17"/>
 </p:tagLst>
 </file>
 
@@ -27513,18 +26604,21 @@
 
 <file path=ppt/tags/tag4.xml><?xml version="1.0" encoding="utf-8"?>
 <p:tagLst xmlns:a="http://schemas.openxmlformats.org/drawingml/2006/main" xmlns:r="http://schemas.openxmlformats.org/officeDocument/2006/relationships" xmlns:p="http://schemas.openxmlformats.org/presentationml/2006/main">
+  <p:tag name="KSO_WM_TAG_VERSION" val="1.0"/>
+  <p:tag name="KSO_WM_BEAUTIFY_FLAG" val="#wm#"/>
   <p:tag name="KSO_WM_TEMPLATE_CATEGORY" val="custom"/>
   <p:tag name="KSO_WM_TEMPLATE_INDEX" val="160336"/>
-  <p:tag name="KSO_WM_TAG_VERSION" val="1.0"/>
-  <p:tag name="KSO_WM_SLIDE_ID" val="custom160336_28"/>
-  <p:tag name="KSO_WM_SLIDE_INDEX" val="28"/>
-  <p:tag name="KSO_WM_SLIDE_ITEM_CNT" val="2"/>
-  <p:tag name="KSO_WM_SLIDE_LAYOUT" val="a_f"/>
-  <p:tag name="KSO_WM_SLIDE_LAYOUT_CNT" val="1_2"/>
-  <p:tag name="KSO_WM_SLIDE_TYPE" val="text"/>
-  <p:tag name="KSO_WM_BEAUTIFY_FLAG" val="#wm#"/>
-  <p:tag name="KSO_WM_SLIDE_POSITION" val="94*166"/>
-  <p:tag name="KSO_WM_SLIDE_SIZE" val="677*244"/>
+  <p:tag name="KSO_WM_UNIT_TYPE" val="a"/>
+  <p:tag name="KSO_WM_UNIT_INDEX" val="1"/>
+  <p:tag name="KSO_WM_UNIT_ID" val="custom160336_2*a*1"/>
+  <p:tag name="KSO_WM_UNIT_CLEAR" val="1"/>
+  <p:tag name="KSO_WM_UNIT_LAYERLEVEL" val="1"/>
+  <p:tag name="KSO_WM_UNIT_VALUE" val="27"/>
+  <p:tag name="KSO_WM_UNIT_ISCONTENTSTITLE" val="0"/>
+  <p:tag name="KSO_WM_UNIT_HIGHLIGHT" val="0"/>
+  <p:tag name="KSO_WM_UNIT_COMPATIBLE" val="0"/>
+  <p:tag name="KSO_WM_UNIT_PRESET_TEXT_INDEX" val="3"/>
+  <p:tag name="KSO_WM_UNIT_PRESET_TEXT_LEN" val="17"/>
 </p:tagLst>
 </file>
 
@@ -27553,235 +26647,6 @@
   <p:tag name="KSO_WM_TEMPLATE_CATEGORY" val="custom"/>
   <p:tag name="KSO_WM_TEMPLATE_INDEX" val="160336"/>
   <p:tag name="KSO_WM_TAG_VERSION" val="1.0"/>
-  <p:tag name="KSO_WM_SLIDE_ID" val="custom160336_6"/>
-  <p:tag name="KSO_WM_SLIDE_INDEX" val="6"/>
-  <p:tag name="KSO_WM_SLIDE_ITEM_CNT" val="1"/>
-  <p:tag name="KSO_WM_SLIDE_LAYOUT" val="a_l"/>
-  <p:tag name="KSO_WM_SLIDE_LAYOUT_CNT" val="1_1"/>
-  <p:tag name="KSO_WM_SLIDE_TYPE" val="contents"/>
-  <p:tag name="KSO_WM_BEAUTIFY_FLAG" val="#wm#"/>
-  <p:tag name="KSO_WM_DIAGRAM_GROUP_CODE" val="l1-1"/>
-</p:tagLst>
-</file>
-
-<file path=ppt/tags/tag42.xml><?xml version="1.0" encoding="utf-8"?>
-<p:tagLst xmlns:a="http://schemas.openxmlformats.org/drawingml/2006/main" xmlns:r="http://schemas.openxmlformats.org/officeDocument/2006/relationships" xmlns:p="http://schemas.openxmlformats.org/presentationml/2006/main">
-  <p:tag name="KSO_WM_TAG_VERSION" val="1.0"/>
-  <p:tag name="KSO_WM_BEAUTIFY_FLAG" val="#wm#"/>
-  <p:tag name="KSO_WM_UNIT_TYPE" val="i"/>
-  <p:tag name="KSO_WM_UNIT_ID" val="custom160336_6*i*0"/>
-  <p:tag name="KSO_WM_TEMPLATE_CATEGORY" val="custom"/>
-  <p:tag name="KSO_WM_TEMPLATE_INDEX" val="160336"/>
-  <p:tag name="KSO_WM_UNIT_INDEX" val="0"/>
-</p:tagLst>
-</file>
-
-<file path=ppt/tags/tag43.xml><?xml version="1.0" encoding="utf-8"?>
-<p:tagLst xmlns:a="http://schemas.openxmlformats.org/drawingml/2006/main" xmlns:r="http://schemas.openxmlformats.org/officeDocument/2006/relationships" xmlns:p="http://schemas.openxmlformats.org/presentationml/2006/main">
-  <p:tag name="KSO_WM_TAG_VERSION" val="1.0"/>
-  <p:tag name="KSO_WM_BEAUTIFY_FLAG" val="#wm#"/>
-  <p:tag name="KSO_WM_TEMPLATE_CATEGORY" val="custom"/>
-  <p:tag name="KSO_WM_TEMPLATE_INDEX" val="160336"/>
-  <p:tag name="KSO_WM_UNIT_TYPE" val="l_i"/>
-  <p:tag name="KSO_WM_UNIT_INDEX" val="1_1"/>
-  <p:tag name="KSO_WM_UNIT_ID" val="custom160336_6*l_i*1_1"/>
-  <p:tag name="KSO_WM_UNIT_CLEAR" val="1"/>
-  <p:tag name="KSO_WM_UNIT_LAYERLEVEL" val="1_1"/>
-  <p:tag name="KSO_WM_DIAGRAM_GROUP_CODE" val="l1-1"/>
-  <p:tag name="KSO_WM_UNIT_FILL_FORE_SCHEMECOLOR_INDEX" val="5"/>
-  <p:tag name="KSO_WM_UNIT_FILL_TYPE" val="1"/>
-  <p:tag name="KSO_WM_UNIT_USESOURCEFORMAT_APPLY" val="1"/>
-</p:tagLst>
-</file>
-
-<file path=ppt/tags/tag44.xml><?xml version="1.0" encoding="utf-8"?>
-<p:tagLst xmlns:a="http://schemas.openxmlformats.org/drawingml/2006/main" xmlns:r="http://schemas.openxmlformats.org/officeDocument/2006/relationships" xmlns:p="http://schemas.openxmlformats.org/presentationml/2006/main">
-  <p:tag name="KSO_WM_TAG_VERSION" val="1.0"/>
-  <p:tag name="KSO_WM_BEAUTIFY_FLAG" val="#wm#"/>
-  <p:tag name="KSO_WM_TEMPLATE_CATEGORY" val="custom"/>
-  <p:tag name="KSO_WM_TEMPLATE_INDEX" val="160336"/>
-  <p:tag name="KSO_WM_UNIT_TYPE" val="l_h_f"/>
-  <p:tag name="KSO_WM_UNIT_INDEX" val="1_1_1"/>
-  <p:tag name="KSO_WM_UNIT_ID" val="custom160336_6*l_h_f*1_1_1"/>
-  <p:tag name="KSO_WM_UNIT_CLEAR" val="1"/>
-  <p:tag name="KSO_WM_UNIT_LAYERLEVEL" val="1_1_1"/>
-  <p:tag name="KSO_WM_UNIT_VALUE" val="32"/>
-  <p:tag name="KSO_WM_UNIT_HIGHLIGHT" val="0"/>
-  <p:tag name="KSO_WM_UNIT_COMPATIBLE" val="0"/>
-  <p:tag name="KSO_WM_UNIT_PRESET_TEXT_INDEX" val="4"/>
-  <p:tag name="KSO_WM_UNIT_PRESET_TEXT_LEN" val="26"/>
-  <p:tag name="KSO_WM_DIAGRAM_GROUP_CODE" val="l1-1"/>
-  <p:tag name="KSO_WM_UNIT_TEXT_FILL_FORE_SCHEMECOLOR_INDEX" val="13"/>
-  <p:tag name="KSO_WM_UNIT_TEXT_FILL_TYPE" val="1"/>
-  <p:tag name="KSO_WM_UNIT_USESOURCEFORMAT_APPLY" val="1"/>
-</p:tagLst>
-</file>
-
-<file path=ppt/tags/tag45.xml><?xml version="1.0" encoding="utf-8"?>
-<p:tagLst xmlns:a="http://schemas.openxmlformats.org/drawingml/2006/main" xmlns:r="http://schemas.openxmlformats.org/officeDocument/2006/relationships" xmlns:p="http://schemas.openxmlformats.org/presentationml/2006/main">
-  <p:tag name="KSO_WM_TEMPLATE_CATEGORY" val="custom"/>
-  <p:tag name="KSO_WM_TEMPLATE_INDEX" val="160336"/>
-  <p:tag name="KSO_WM_TAG_VERSION" val="1.0"/>
-  <p:tag name="KSO_WM_SLIDE_ID" val="custom160336_2"/>
-  <p:tag name="KSO_WM_SLIDE_INDEX" val="2"/>
-  <p:tag name="KSO_WM_SLIDE_ITEM_CNT" val="1"/>
-  <p:tag name="KSO_WM_SLIDE_LAYOUT" val="a_f"/>
-  <p:tag name="KSO_WM_SLIDE_LAYOUT_CNT" val="1_1"/>
-  <p:tag name="KSO_WM_SLIDE_TYPE" val="text"/>
-  <p:tag name="KSO_WM_BEAUTIFY_FLAG" val="#wm#"/>
-  <p:tag name="KSO_WM_SLIDE_POSITION" val="109*173"/>
-  <p:tag name="KSO_WM_SLIDE_SIZE" val="618*244"/>
-</p:tagLst>
-</file>
-
-<file path=ppt/tags/tag46.xml><?xml version="1.0" encoding="utf-8"?>
-<p:tagLst xmlns:a="http://schemas.openxmlformats.org/drawingml/2006/main" xmlns:r="http://schemas.openxmlformats.org/officeDocument/2006/relationships" xmlns:p="http://schemas.openxmlformats.org/presentationml/2006/main">
-  <p:tag name="KSO_WM_TAG_VERSION" val="1.0"/>
-  <p:tag name="KSO_WM_BEAUTIFY_FLAG" val="#wm#"/>
-  <p:tag name="KSO_WM_TEMPLATE_CATEGORY" val="custom"/>
-  <p:tag name="KSO_WM_TEMPLATE_INDEX" val="160336"/>
-  <p:tag name="KSO_WM_UNIT_TYPE" val="a"/>
-  <p:tag name="KSO_WM_UNIT_INDEX" val="1"/>
-  <p:tag name="KSO_WM_UNIT_ID" val="custom160336_2*a*1"/>
-  <p:tag name="KSO_WM_UNIT_CLEAR" val="1"/>
-  <p:tag name="KSO_WM_UNIT_LAYERLEVEL" val="1"/>
-  <p:tag name="KSO_WM_UNIT_VALUE" val="27"/>
-  <p:tag name="KSO_WM_UNIT_ISCONTENTSTITLE" val="0"/>
-  <p:tag name="KSO_WM_UNIT_HIGHLIGHT" val="0"/>
-  <p:tag name="KSO_WM_UNIT_COMPATIBLE" val="0"/>
-  <p:tag name="KSO_WM_UNIT_PRESET_TEXT_INDEX" val="3"/>
-  <p:tag name="KSO_WM_UNIT_PRESET_TEXT_LEN" val="17"/>
-</p:tagLst>
-</file>
-
-<file path=ppt/tags/tag47.xml><?xml version="1.0" encoding="utf-8"?>
-<p:tagLst xmlns:a="http://schemas.openxmlformats.org/drawingml/2006/main" xmlns:r="http://schemas.openxmlformats.org/officeDocument/2006/relationships" xmlns:p="http://schemas.openxmlformats.org/presentationml/2006/main">
-  <p:tag name="KSO_WM_TEMPLATE_CATEGORY" val="custom"/>
-  <p:tag name="KSO_WM_TEMPLATE_INDEX" val="160336"/>
-  <p:tag name="KSO_WM_TAG_VERSION" val="1.0"/>
-  <p:tag name="KSO_WM_SLIDE_ID" val="custom160336_2"/>
-  <p:tag name="KSO_WM_SLIDE_INDEX" val="2"/>
-  <p:tag name="KSO_WM_SLIDE_ITEM_CNT" val="1"/>
-  <p:tag name="KSO_WM_SLIDE_LAYOUT" val="a_f"/>
-  <p:tag name="KSO_WM_SLIDE_LAYOUT_CNT" val="1_1"/>
-  <p:tag name="KSO_WM_SLIDE_TYPE" val="text"/>
-  <p:tag name="KSO_WM_BEAUTIFY_FLAG" val="#wm#"/>
-  <p:tag name="KSO_WM_SLIDE_POSITION" val="109*173"/>
-  <p:tag name="KSO_WM_SLIDE_SIZE" val="618*244"/>
-</p:tagLst>
-</file>
-
-<file path=ppt/tags/tag48.xml><?xml version="1.0" encoding="utf-8"?>
-<p:tagLst xmlns:a="http://schemas.openxmlformats.org/drawingml/2006/main" xmlns:r="http://schemas.openxmlformats.org/officeDocument/2006/relationships" xmlns:p="http://schemas.openxmlformats.org/presentationml/2006/main">
-  <p:tag name="KSO_WM_TAG_VERSION" val="1.0"/>
-  <p:tag name="KSO_WM_BEAUTIFY_FLAG" val="#wm#"/>
-  <p:tag name="KSO_WM_TEMPLATE_CATEGORY" val="custom"/>
-  <p:tag name="KSO_WM_TEMPLATE_INDEX" val="160336"/>
-  <p:tag name="KSO_WM_UNIT_TYPE" val="a"/>
-  <p:tag name="KSO_WM_UNIT_INDEX" val="1"/>
-  <p:tag name="KSO_WM_UNIT_ID" val="custom160336_2*a*1"/>
-  <p:tag name="KSO_WM_UNIT_CLEAR" val="1"/>
-  <p:tag name="KSO_WM_UNIT_LAYERLEVEL" val="1"/>
-  <p:tag name="KSO_WM_UNIT_VALUE" val="27"/>
-  <p:tag name="KSO_WM_UNIT_ISCONTENTSTITLE" val="0"/>
-  <p:tag name="KSO_WM_UNIT_HIGHLIGHT" val="0"/>
-  <p:tag name="KSO_WM_UNIT_COMPATIBLE" val="0"/>
-  <p:tag name="KSO_WM_UNIT_PRESET_TEXT_INDEX" val="3"/>
-  <p:tag name="KSO_WM_UNIT_PRESET_TEXT_LEN" val="17"/>
-</p:tagLst>
-</file>
-
-<file path=ppt/tags/tag49.xml><?xml version="1.0" encoding="utf-8"?>
-<p:tagLst xmlns:a="http://schemas.openxmlformats.org/drawingml/2006/main" xmlns:r="http://schemas.openxmlformats.org/officeDocument/2006/relationships" xmlns:p="http://schemas.openxmlformats.org/presentationml/2006/main">
-  <p:tag name="KSO_WM_TEMPLATE_CATEGORY" val="custom"/>
-  <p:tag name="KSO_WM_TEMPLATE_INDEX" val="160336"/>
-  <p:tag name="KSO_WM_TAG_VERSION" val="1.0"/>
-  <p:tag name="KSO_WM_SLIDE_ID" val="custom160336_2"/>
-  <p:tag name="KSO_WM_SLIDE_INDEX" val="2"/>
-  <p:tag name="KSO_WM_SLIDE_ITEM_CNT" val="1"/>
-  <p:tag name="KSO_WM_SLIDE_LAYOUT" val="a_f"/>
-  <p:tag name="KSO_WM_SLIDE_LAYOUT_CNT" val="1_1"/>
-  <p:tag name="KSO_WM_SLIDE_TYPE" val="text"/>
-  <p:tag name="KSO_WM_BEAUTIFY_FLAG" val="#wm#"/>
-  <p:tag name="KSO_WM_SLIDE_POSITION" val="109*173"/>
-  <p:tag name="KSO_WM_SLIDE_SIZE" val="618*244"/>
-</p:tagLst>
-</file>
-
-<file path=ppt/tags/tag5.xml><?xml version="1.0" encoding="utf-8"?>
-<p:tagLst xmlns:a="http://schemas.openxmlformats.org/drawingml/2006/main" xmlns:r="http://schemas.openxmlformats.org/officeDocument/2006/relationships" xmlns:p="http://schemas.openxmlformats.org/presentationml/2006/main">
-  <p:tag name="KSO_WM_TAG_VERSION" val="1.0"/>
-  <p:tag name="KSO_WM_BEAUTIFY_FLAG" val="#wm#"/>
-  <p:tag name="KSO_WM_UNIT_TYPE" val="i"/>
-  <p:tag name="KSO_WM_UNIT_ID" val="custom160336_28*i*0"/>
-  <p:tag name="KSO_WM_TEMPLATE_CATEGORY" val="custom"/>
-  <p:tag name="KSO_WM_TEMPLATE_INDEX" val="160336"/>
-  <p:tag name="KSO_WM_UNIT_INDEX" val="0"/>
-</p:tagLst>
-</file>
-
-<file path=ppt/tags/tag50.xml><?xml version="1.0" encoding="utf-8"?>
-<p:tagLst xmlns:a="http://schemas.openxmlformats.org/drawingml/2006/main" xmlns:r="http://schemas.openxmlformats.org/officeDocument/2006/relationships" xmlns:p="http://schemas.openxmlformats.org/presentationml/2006/main">
-  <p:tag name="KSO_WM_TAG_VERSION" val="1.0"/>
-  <p:tag name="KSO_WM_BEAUTIFY_FLAG" val="#wm#"/>
-  <p:tag name="KSO_WM_TEMPLATE_CATEGORY" val="custom"/>
-  <p:tag name="KSO_WM_TEMPLATE_INDEX" val="160336"/>
-  <p:tag name="KSO_WM_UNIT_TYPE" val="a"/>
-  <p:tag name="KSO_WM_UNIT_INDEX" val="1"/>
-  <p:tag name="KSO_WM_UNIT_ID" val="custom160336_2*a*1"/>
-  <p:tag name="KSO_WM_UNIT_CLEAR" val="1"/>
-  <p:tag name="KSO_WM_UNIT_LAYERLEVEL" val="1"/>
-  <p:tag name="KSO_WM_UNIT_VALUE" val="27"/>
-  <p:tag name="KSO_WM_UNIT_ISCONTENTSTITLE" val="0"/>
-  <p:tag name="KSO_WM_UNIT_HIGHLIGHT" val="0"/>
-  <p:tag name="KSO_WM_UNIT_COMPATIBLE" val="0"/>
-  <p:tag name="KSO_WM_UNIT_PRESET_TEXT_INDEX" val="3"/>
-  <p:tag name="KSO_WM_UNIT_PRESET_TEXT_LEN" val="17"/>
-</p:tagLst>
-</file>
-
-<file path=ppt/tags/tag51.xml><?xml version="1.0" encoding="utf-8"?>
-<p:tagLst xmlns:a="http://schemas.openxmlformats.org/drawingml/2006/main" xmlns:r="http://schemas.openxmlformats.org/officeDocument/2006/relationships" xmlns:p="http://schemas.openxmlformats.org/presentationml/2006/main">
-  <p:tag name="KSO_WM_TEMPLATE_CATEGORY" val="custom"/>
-  <p:tag name="KSO_WM_TEMPLATE_INDEX" val="160336"/>
-  <p:tag name="KSO_WM_TAG_VERSION" val="1.0"/>
-  <p:tag name="KSO_WM_SLIDE_ID" val="custom160336_2"/>
-  <p:tag name="KSO_WM_SLIDE_INDEX" val="2"/>
-  <p:tag name="KSO_WM_SLIDE_ITEM_CNT" val="1"/>
-  <p:tag name="KSO_WM_SLIDE_LAYOUT" val="a_f"/>
-  <p:tag name="KSO_WM_SLIDE_LAYOUT_CNT" val="1_1"/>
-  <p:tag name="KSO_WM_SLIDE_TYPE" val="text"/>
-  <p:tag name="KSO_WM_BEAUTIFY_FLAG" val="#wm#"/>
-  <p:tag name="KSO_WM_SLIDE_POSITION" val="109*173"/>
-  <p:tag name="KSO_WM_SLIDE_SIZE" val="618*244"/>
-</p:tagLst>
-</file>
-
-<file path=ppt/tags/tag52.xml><?xml version="1.0" encoding="utf-8"?>
-<p:tagLst xmlns:a="http://schemas.openxmlformats.org/drawingml/2006/main" xmlns:r="http://schemas.openxmlformats.org/officeDocument/2006/relationships" xmlns:p="http://schemas.openxmlformats.org/presentationml/2006/main">
-  <p:tag name="KSO_WM_TAG_VERSION" val="1.0"/>
-  <p:tag name="KSO_WM_BEAUTIFY_FLAG" val="#wm#"/>
-  <p:tag name="KSO_WM_TEMPLATE_CATEGORY" val="custom"/>
-  <p:tag name="KSO_WM_TEMPLATE_INDEX" val="160336"/>
-  <p:tag name="KSO_WM_UNIT_TYPE" val="a"/>
-  <p:tag name="KSO_WM_UNIT_INDEX" val="1"/>
-  <p:tag name="KSO_WM_UNIT_ID" val="custom160336_2*a*1"/>
-  <p:tag name="KSO_WM_UNIT_CLEAR" val="1"/>
-  <p:tag name="KSO_WM_UNIT_LAYERLEVEL" val="1"/>
-  <p:tag name="KSO_WM_UNIT_VALUE" val="27"/>
-  <p:tag name="KSO_WM_UNIT_ISCONTENTSTITLE" val="0"/>
-  <p:tag name="KSO_WM_UNIT_HIGHLIGHT" val="0"/>
-  <p:tag name="KSO_WM_UNIT_COMPATIBLE" val="0"/>
-  <p:tag name="KSO_WM_UNIT_PRESET_TEXT_INDEX" val="3"/>
-  <p:tag name="KSO_WM_UNIT_PRESET_TEXT_LEN" val="17"/>
-</p:tagLst>
-</file>
-
-<file path=ppt/tags/tag53.xml><?xml version="1.0" encoding="utf-8"?>
-<p:tagLst xmlns:a="http://schemas.openxmlformats.org/drawingml/2006/main" xmlns:r="http://schemas.openxmlformats.org/officeDocument/2006/relationships" xmlns:p="http://schemas.openxmlformats.org/presentationml/2006/main">
-  <p:tag name="KSO_WM_TEMPLATE_CATEGORY" val="custom"/>
-  <p:tag name="KSO_WM_TEMPLATE_INDEX" val="160336"/>
-  <p:tag name="KSO_WM_TAG_VERSION" val="1.0"/>
   <p:tag name="KSO_WM_SLIDE_ID" val="custom160336_27"/>
   <p:tag name="KSO_WM_SLIDE_INDEX" val="27"/>
   <p:tag name="KSO_WM_SLIDE_ITEM_CNT" val="1"/>
@@ -27794,7 +26659,7 @@
 </p:tagLst>
 </file>
 
-<file path=ppt/tags/tag54.xml><?xml version="1.0" encoding="utf-8"?>
+<file path=ppt/tags/tag42.xml><?xml version="1.0" encoding="utf-8"?>
 <p:tagLst xmlns:a="http://schemas.openxmlformats.org/drawingml/2006/main" xmlns:r="http://schemas.openxmlformats.org/officeDocument/2006/relationships" xmlns:p="http://schemas.openxmlformats.org/presentationml/2006/main">
   <p:tag name="KSO_WM_TAG_VERSION" val="1.0"/>
   <p:tag name="KSO_WM_BEAUTIFY_FLAG" val="#wm#"/>
@@ -27806,7 +26671,7 @@
 </p:tagLst>
 </file>
 
-<file path=ppt/tags/tag55.xml><?xml version="1.0" encoding="utf-8"?>
+<file path=ppt/tags/tag43.xml><?xml version="1.0" encoding="utf-8"?>
 <p:tagLst xmlns:a="http://schemas.openxmlformats.org/drawingml/2006/main" xmlns:r="http://schemas.openxmlformats.org/officeDocument/2006/relationships" xmlns:p="http://schemas.openxmlformats.org/presentationml/2006/main">
   <p:tag name="KSO_WM_TAG_VERSION" val="1.0"/>
   <p:tag name="KSO_WM_BEAUTIFY_FLAG" val="#wm#"/>
@@ -27826,7 +26691,7 @@
 </p:tagLst>
 </file>
 
-<file path=ppt/tags/tag56.xml><?xml version="1.0" encoding="utf-8"?>
+<file path=ppt/tags/tag44.xml><?xml version="1.0" encoding="utf-8"?>
 <p:tagLst xmlns:a="http://schemas.openxmlformats.org/drawingml/2006/main" xmlns:r="http://schemas.openxmlformats.org/officeDocument/2006/relationships" xmlns:p="http://schemas.openxmlformats.org/presentationml/2006/main">
   <p:tag name="KSO_WM_TAG_VERSION" val="1.0"/>
   <p:tag name="KSO_WM_BEAUTIFY_FLAG" val="#wm#"/>
@@ -27845,7 +26710,7 @@
 </p:tagLst>
 </file>
 
-<file path=ppt/tags/tag57.xml><?xml version="1.0" encoding="utf-8"?>
+<file path=ppt/tags/tag45.xml><?xml version="1.0" encoding="utf-8"?>
 <p:tagLst xmlns:a="http://schemas.openxmlformats.org/drawingml/2006/main" xmlns:r="http://schemas.openxmlformats.org/officeDocument/2006/relationships" xmlns:p="http://schemas.openxmlformats.org/presentationml/2006/main">
   <p:tag name="KSO_WM_TAG_VERSION" val="1.0"/>
   <p:tag name="KSO_WM_BEAUTIFY_FLAG" val="#wm#"/>
@@ -27857,7 +26722,7 @@
 </p:tagLst>
 </file>
 
-<file path=ppt/tags/tag58.xml><?xml version="1.0" encoding="utf-8"?>
+<file path=ppt/tags/tag46.xml><?xml version="1.0" encoding="utf-8"?>
 <p:tagLst xmlns:a="http://schemas.openxmlformats.org/drawingml/2006/main" xmlns:r="http://schemas.openxmlformats.org/officeDocument/2006/relationships" xmlns:p="http://schemas.openxmlformats.org/presentationml/2006/main">
   <p:tag name="KSO_WM_TAG_VERSION" val="1.0"/>
   <p:tag name="KSO_WM_BEAUTIFY_FLAG" val="#wm#"/>
@@ -27869,7 +26734,7 @@
 </p:tagLst>
 </file>
 
-<file path=ppt/tags/tag59.xml><?xml version="1.0" encoding="utf-8"?>
+<file path=ppt/tags/tag47.xml><?xml version="1.0" encoding="utf-8"?>
 <p:tagLst xmlns:a="http://schemas.openxmlformats.org/drawingml/2006/main" xmlns:r="http://schemas.openxmlformats.org/officeDocument/2006/relationships" xmlns:p="http://schemas.openxmlformats.org/presentationml/2006/main">
   <p:tag name="KSO_WM_TAG_VERSION" val="1.0"/>
   <p:tag name="KSO_WM_BEAUTIFY_FLAG" val="#wm#"/>
@@ -27881,19 +26746,7 @@
 </p:tagLst>
 </file>
 
-<file path=ppt/tags/tag6.xml><?xml version="1.0" encoding="utf-8"?>
-<p:tagLst xmlns:a="http://schemas.openxmlformats.org/drawingml/2006/main" xmlns:r="http://schemas.openxmlformats.org/officeDocument/2006/relationships" xmlns:p="http://schemas.openxmlformats.org/presentationml/2006/main">
-  <p:tag name="KSO_WM_TAG_VERSION" val="1.0"/>
-  <p:tag name="KSO_WM_BEAUTIFY_FLAG" val="#wm#"/>
-  <p:tag name="KSO_WM_UNIT_TYPE" val="i"/>
-  <p:tag name="KSO_WM_UNIT_ID" val="custom160336_28*i*11"/>
-  <p:tag name="KSO_WM_TEMPLATE_CATEGORY" val="custom"/>
-  <p:tag name="KSO_WM_TEMPLATE_INDEX" val="160336"/>
-  <p:tag name="KSO_WM_UNIT_INDEX" val="11"/>
-</p:tagLst>
-</file>
-
-<file path=ppt/tags/tag60.xml><?xml version="1.0" encoding="utf-8"?>
+<file path=ppt/tags/tag48.xml><?xml version="1.0" encoding="utf-8"?>
 <p:tagLst xmlns:a="http://schemas.openxmlformats.org/drawingml/2006/main" xmlns:r="http://schemas.openxmlformats.org/officeDocument/2006/relationships" xmlns:p="http://schemas.openxmlformats.org/presentationml/2006/main">
   <p:tag name="KSO_WM_TAG_VERSION" val="1.0"/>
   <p:tag name="KSO_WM_BEAUTIFY_FLAG" val="#wm#"/>
@@ -27905,7 +26758,7 @@
 </p:tagLst>
 </file>
 
-<file path=ppt/tags/tag61.xml><?xml version="1.0" encoding="utf-8"?>
+<file path=ppt/tags/tag49.xml><?xml version="1.0" encoding="utf-8"?>
 <p:tagLst xmlns:a="http://schemas.openxmlformats.org/drawingml/2006/main" xmlns:r="http://schemas.openxmlformats.org/officeDocument/2006/relationships" xmlns:p="http://schemas.openxmlformats.org/presentationml/2006/main">
   <p:tag name="KSO_WM_TEMPLATE_CATEGORY" val="custom"/>
   <p:tag name="KSO_WM_TEMPLATE_INDEX" val="160336"/>
@@ -27920,7 +26773,19 @@
 </p:tagLst>
 </file>
 
-<file path=ppt/tags/tag62.xml><?xml version="1.0" encoding="utf-8"?>
+<file path=ppt/tags/tag5.xml><?xml version="1.0" encoding="utf-8"?>
+<p:tagLst xmlns:a="http://schemas.openxmlformats.org/drawingml/2006/main" xmlns:r="http://schemas.openxmlformats.org/officeDocument/2006/relationships" xmlns:p="http://schemas.openxmlformats.org/presentationml/2006/main">
+  <p:tag name="KSO_WM_TAG_VERSION" val="1.0"/>
+  <p:tag name="KSO_WM_BEAUTIFY_FLAG" val="#wm#"/>
+  <p:tag name="KSO_WM_UNIT_TYPE" val="i"/>
+  <p:tag name="KSO_WM_UNIT_ID" val="custom160336_11*i*0"/>
+  <p:tag name="KSO_WM_TEMPLATE_CATEGORY" val="custom"/>
+  <p:tag name="KSO_WM_TEMPLATE_INDEX" val="160336"/>
+  <p:tag name="KSO_WM_UNIT_INDEX" val="0"/>
+</p:tagLst>
+</file>
+
+<file path=ppt/tags/tag50.xml><?xml version="1.0" encoding="utf-8"?>
 <p:tagLst xmlns:a="http://schemas.openxmlformats.org/drawingml/2006/main" xmlns:r="http://schemas.openxmlformats.org/officeDocument/2006/relationships" xmlns:p="http://schemas.openxmlformats.org/presentationml/2006/main">
   <p:tag name="KSO_WM_TAG_VERSION" val="1.0"/>
   <p:tag name="KSO_WM_BEAUTIFY_FLAG" val="#wm#"/>
@@ -27939,6 +26804,18 @@
 </p:tagLst>
 </file>
 
+<file path=ppt/tags/tag6.xml><?xml version="1.0" encoding="utf-8"?>
+<p:tagLst xmlns:a="http://schemas.openxmlformats.org/drawingml/2006/main" xmlns:r="http://schemas.openxmlformats.org/officeDocument/2006/relationships" xmlns:p="http://schemas.openxmlformats.org/presentationml/2006/main">
+  <p:tag name="KSO_WM_TAG_VERSION" val="1.0"/>
+  <p:tag name="KSO_WM_BEAUTIFY_FLAG" val="#wm#"/>
+  <p:tag name="KSO_WM_UNIT_TYPE" val="i"/>
+  <p:tag name="KSO_WM_UNIT_ID" val="custom160336_11*i*5"/>
+  <p:tag name="KSO_WM_TEMPLATE_CATEGORY" val="custom"/>
+  <p:tag name="KSO_WM_TEMPLATE_INDEX" val="160336"/>
+  <p:tag name="KSO_WM_UNIT_INDEX" val="5"/>
+</p:tagLst>
+</file>
+
 <file path=ppt/tags/tag7.xml><?xml version="1.0" encoding="utf-8"?>
 <p:tagLst xmlns:a="http://schemas.openxmlformats.org/drawingml/2006/main" xmlns:r="http://schemas.openxmlformats.org/officeDocument/2006/relationships" xmlns:p="http://schemas.openxmlformats.org/presentationml/2006/main">
   <p:tag name="KSO_WM_TAG_VERSION" val="1.0"/>
@@ -27947,15 +26824,14 @@
   <p:tag name="KSO_WM_TEMPLATE_INDEX" val="160336"/>
   <p:tag name="KSO_WM_UNIT_TYPE" val="a"/>
   <p:tag name="KSO_WM_UNIT_INDEX" val="1"/>
-  <p:tag name="KSO_WM_UNIT_ID" val="custom160336_28*a*1"/>
+  <p:tag name="KSO_WM_UNIT_ID" val="custom160336_11*a*1"/>
   <p:tag name="KSO_WM_UNIT_CLEAR" val="1"/>
   <p:tag name="KSO_WM_UNIT_LAYERLEVEL" val="1"/>
-  <p:tag name="KSO_WM_UNIT_VALUE" val="31"/>
-  <p:tag name="KSO_WM_UNIT_ISCONTENTSTITLE" val="0"/>
+  <p:tag name="KSO_WM_UNIT_ISCONTENTSTITLE" val="1"/>
+  <p:tag name="KSO_WM_UNIT_VALUE" val="5"/>
   <p:tag name="KSO_WM_UNIT_HIGHLIGHT" val="0"/>
   <p:tag name="KSO_WM_UNIT_COMPATIBLE" val="0"/>
-  <p:tag name="KSO_WM_UNIT_PRESET_TEXT_INDEX" val="3"/>
-  <p:tag name="KSO_WM_UNIT_PRESET_TEXT_LEN" val="17"/>
+  <p:tag name="KSO_WM_UNIT_PRESET_TEXT" val="CONTENTS"/>
 </p:tagLst>
 </file>
 
@@ -27963,11 +26839,22 @@
 <p:tagLst xmlns:a="http://schemas.openxmlformats.org/drawingml/2006/main" xmlns:r="http://schemas.openxmlformats.org/officeDocument/2006/relationships" xmlns:p="http://schemas.openxmlformats.org/presentationml/2006/main">
   <p:tag name="KSO_WM_TAG_VERSION" val="1.0"/>
   <p:tag name="KSO_WM_BEAUTIFY_FLAG" val="#wm#"/>
-  <p:tag name="KSO_WM_UNIT_TYPE" val="i"/>
-  <p:tag name="KSO_WM_UNIT_ID" val="custom160336_28*i*18"/>
   <p:tag name="KSO_WM_TEMPLATE_CATEGORY" val="custom"/>
   <p:tag name="KSO_WM_TEMPLATE_INDEX" val="160336"/>
-  <p:tag name="KSO_WM_UNIT_INDEX" val="18"/>
+  <p:tag name="KSO_WM_UNIT_TYPE" val="l_h_f"/>
+  <p:tag name="KSO_WM_UNIT_INDEX" val="1_2_1"/>
+  <p:tag name="KSO_WM_UNIT_ID" val="custom160336_11*l_h_f*1_2_1"/>
+  <p:tag name="KSO_WM_UNIT_CLEAR" val="1"/>
+  <p:tag name="KSO_WM_UNIT_LAYERLEVEL" val="1_1_1"/>
+  <p:tag name="KSO_WM_UNIT_VALUE" val="15"/>
+  <p:tag name="KSO_WM_UNIT_HIGHLIGHT" val="0"/>
+  <p:tag name="KSO_WM_UNIT_COMPATIBLE" val="0"/>
+  <p:tag name="KSO_WM_UNIT_PRESET_TEXT_INDEX" val="4"/>
+  <p:tag name="KSO_WM_UNIT_PRESET_TEXT_LEN" val="26"/>
+  <p:tag name="KSO_WM_DIAGRAM_GROUP_CODE" val="l1-1"/>
+  <p:tag name="KSO_WM_UNIT_TEXT_FILL_FORE_SCHEMECOLOR_INDEX" val="13"/>
+  <p:tag name="KSO_WM_UNIT_TEXT_FILL_TYPE" val="1"/>
+  <p:tag name="KSO_WM_UNIT_USESOURCEFORMAT_APPLY" val="1"/>
 </p:tagLst>
 </file>
 
@@ -27975,11 +26862,17 @@
 <p:tagLst xmlns:a="http://schemas.openxmlformats.org/drawingml/2006/main" xmlns:r="http://schemas.openxmlformats.org/officeDocument/2006/relationships" xmlns:p="http://schemas.openxmlformats.org/presentationml/2006/main">
   <p:tag name="KSO_WM_TAG_VERSION" val="1.0"/>
   <p:tag name="KSO_WM_BEAUTIFY_FLAG" val="#wm#"/>
-  <p:tag name="KSO_WM_UNIT_TYPE" val="i"/>
-  <p:tag name="KSO_WM_UNIT_ID" val="custom160336_28*i*19"/>
   <p:tag name="KSO_WM_TEMPLATE_CATEGORY" val="custom"/>
   <p:tag name="KSO_WM_TEMPLATE_INDEX" val="160336"/>
-  <p:tag name="KSO_WM_UNIT_INDEX" val="19"/>
+  <p:tag name="KSO_WM_UNIT_TYPE" val="l_i"/>
+  <p:tag name="KSO_WM_UNIT_INDEX" val="1_2"/>
+  <p:tag name="KSO_WM_UNIT_ID" val="custom160336_11*l_i*1_2"/>
+  <p:tag name="KSO_WM_UNIT_CLEAR" val="1"/>
+  <p:tag name="KSO_WM_UNIT_LAYERLEVEL" val="1_1"/>
+  <p:tag name="KSO_WM_DIAGRAM_GROUP_CODE" val="l1-1"/>
+  <p:tag name="KSO_WM_UNIT_FILL_FORE_SCHEMECOLOR_INDEX" val="6"/>
+  <p:tag name="KSO_WM_UNIT_FILL_TYPE" val="1"/>
+  <p:tag name="KSO_WM_UNIT_USESOURCEFORMAT_APPLY" val="1"/>
 </p:tagLst>
 </file>
 
